--- a/iTrain - JS.pptx
+++ b/iTrain - JS.pptx
@@ -5,7 +5,7 @@
     <p:sldMasterId id="2147483672" r:id="rId1"/>
   </p:sldMasterIdLst>
   <p:notesMasterIdLst>
-    <p:notesMasterId r:id="rId29"/>
+    <p:notesMasterId r:id="rId31"/>
   </p:notesMasterIdLst>
   <p:sldIdLst>
     <p:sldId id="257" r:id="rId2"/>
@@ -35,6 +35,8 @@
     <p:sldId id="314" r:id="rId26"/>
     <p:sldId id="315" r:id="rId27"/>
     <p:sldId id="316" r:id="rId28"/>
+    <p:sldId id="317" r:id="rId29"/>
+    <p:sldId id="318" r:id="rId30"/>
   </p:sldIdLst>
   <p:sldSz cx="12192000" cy="6858000"/>
   <p:notesSz cx="6858000" cy="9144000"/>
@@ -304,7 +306,7 @@
           <a:p>
             <a:fld id="{BC1C655F-54C7-4D03-AD26-E0C40F01563A}" type="datetimeFigureOut">
               <a:rPr lang="id-ID" smtClean="0"/>
-              <a:t>09/04/2019</a:t>
+              <a:t>11/04/2019</a:t>
             </a:fld>
             <a:endParaRPr lang="id-ID"/>
           </a:p>
@@ -703,7 +705,7 @@
           <a:p>
             <a:fld id="{609A95C9-720D-419E-8EFC-5367D1C63A8F}" type="datetime1">
               <a:rPr lang="en-US" smtClean="0"/>
-              <a:t>4/9/2019</a:t>
+              <a:t>4/11/2019</a:t>
             </a:fld>
             <a:endParaRPr lang="en-US" dirty="0"/>
           </a:p>
@@ -960,7 +962,7 @@
           <a:p>
             <a:fld id="{49933955-E2B6-410F-8119-221FD70482AE}" type="datetime1">
               <a:rPr lang="en-US" smtClean="0"/>
-              <a:t>4/9/2019</a:t>
+              <a:t>4/11/2019</a:t>
             </a:fld>
             <a:endParaRPr lang="en-US" dirty="0"/>
           </a:p>
@@ -1130,7 +1132,7 @@
           <a:p>
             <a:fld id="{90075D9E-FA95-4704-8AFF-1202328700EE}" type="datetime1">
               <a:rPr lang="en-US" smtClean="0"/>
-              <a:t>4/9/2019</a:t>
+              <a:t>4/11/2019</a:t>
             </a:fld>
             <a:endParaRPr lang="en-US" dirty="0"/>
           </a:p>
@@ -1310,7 +1312,7 @@
           <a:p>
             <a:fld id="{23616FE9-2298-4BDC-BC2C-9FD95F3F70A9}" type="datetime1">
               <a:rPr lang="en-US" smtClean="0"/>
-              <a:t>4/9/2019</a:t>
+              <a:t>4/11/2019</a:t>
             </a:fld>
             <a:endParaRPr lang="en-US" dirty="0"/>
           </a:p>
@@ -1480,7 +1482,7 @@
           <a:p>
             <a:fld id="{C1AFAB9A-FFCA-49D7-96E4-5214AFDB6A23}" type="datetime1">
               <a:rPr lang="en-US" smtClean="0"/>
-              <a:t>4/9/2019</a:t>
+              <a:t>4/11/2019</a:t>
             </a:fld>
             <a:endParaRPr lang="en-US" dirty="0"/>
           </a:p>
@@ -1726,7 +1728,7 @@
           <a:p>
             <a:fld id="{234E5EE1-17FC-4B92-A667-A2B21773D754}" type="datetime1">
               <a:rPr lang="en-US" smtClean="0"/>
-              <a:t>4/9/2019</a:t>
+              <a:t>4/11/2019</a:t>
             </a:fld>
             <a:endParaRPr lang="en-US" dirty="0"/>
           </a:p>
@@ -1958,7 +1960,7 @@
           <a:p>
             <a:fld id="{DCC1FA34-DFC7-422F-8E95-893DA16324F4}" type="datetime1">
               <a:rPr lang="en-US" smtClean="0"/>
-              <a:t>4/9/2019</a:t>
+              <a:t>4/11/2019</a:t>
             </a:fld>
             <a:endParaRPr lang="en-US" dirty="0"/>
           </a:p>
@@ -2325,7 +2327,7 @@
           <a:p>
             <a:fld id="{EE17F392-23E7-4637-8F39-2A254B522391}" type="datetime1">
               <a:rPr lang="en-US" smtClean="0"/>
-              <a:t>4/9/2019</a:t>
+              <a:t>4/11/2019</a:t>
             </a:fld>
             <a:endParaRPr lang="en-US" dirty="0"/>
           </a:p>
@@ -2443,7 +2445,7 @@
           <a:p>
             <a:fld id="{8AC9D77D-A452-41BD-90AE-CAFDB69093E1}" type="datetime1">
               <a:rPr lang="en-US" smtClean="0"/>
-              <a:t>4/9/2019</a:t>
+              <a:t>4/11/2019</a:t>
             </a:fld>
             <a:endParaRPr lang="en-US" dirty="0"/>
           </a:p>
@@ -2538,7 +2540,7 @@
           <a:p>
             <a:fld id="{3EE5FB4F-D326-4965-9F6B-36DBC033228F}" type="datetime1">
               <a:rPr lang="en-US" smtClean="0"/>
-              <a:t>4/9/2019</a:t>
+              <a:t>4/11/2019</a:t>
             </a:fld>
             <a:endParaRPr lang="en-US" dirty="0"/>
           </a:p>
@@ -2841,7 +2843,7 @@
           <a:p>
             <a:fld id="{BAC71ECB-45BD-4C0E-A1A5-1E0776DF82AA}" type="datetime1">
               <a:rPr lang="en-US" smtClean="0"/>
-              <a:t>4/9/2019</a:t>
+              <a:t>4/11/2019</a:t>
             </a:fld>
             <a:endParaRPr lang="en-US" dirty="0"/>
           </a:p>
@@ -3534,7 +3536,7 @@
           <a:p>
             <a:fld id="{C5C7CEA0-1174-4B8E-BA06-C4933163DF05}" type="datetime1">
               <a:rPr lang="en-US" smtClean="0"/>
-              <a:t>4/9/2019</a:t>
+              <a:t>4/11/2019</a:t>
             </a:fld>
             <a:endParaRPr lang="en-US" dirty="0"/>
           </a:p>
@@ -3747,7 +3749,7 @@
           <a:p>
             <a:fld id="{5AB05437-B67B-43F1-A27F-F10B19B2E437}" type="datetime1">
               <a:rPr lang="en-US" smtClean="0"/>
-              <a:t>4/9/2019</a:t>
+              <a:t>4/11/2019</a:t>
             </a:fld>
             <a:endParaRPr lang="en-US" dirty="0"/>
           </a:p>
@@ -9168,7 +9170,6 @@
               <a:rPr lang="en-US" i="1" dirty="0" smtClean="0"/>
               <a:t> fib=‘1,1,2,3,5,8,13’;</a:t>
             </a:r>
-            <a:endParaRPr lang="en-US" i="1" dirty="0" smtClean="0"/>
           </a:p>
           <a:p>
             <a:pPr lvl="1"/>
@@ -9551,7 +9552,6 @@
               <a:rPr lang="en-US" i="1" dirty="0" smtClean="0"/>
               <a:t>;</a:t>
             </a:r>
-            <a:endParaRPr lang="en-US" i="1" dirty="0" smtClean="0"/>
           </a:p>
           <a:p>
             <a:pPr lvl="1"/>
@@ -14001,10 +14001,6 @@
               <a:rPr lang="en-US" dirty="0"/>
               <a:t> add = (function () {</a:t>
             </a:r>
-            <a:r>
-              <a:rPr lang="en-US" dirty="0"/>
-              <a:t/>
-            </a:r>
             <a:br>
               <a:rPr lang="en-US" dirty="0"/>
             </a:br>
@@ -14020,10 +14016,6 @@
               <a:rPr lang="en-US" dirty="0"/>
               <a:t> counter = 0;</a:t>
             </a:r>
-            <a:r>
-              <a:rPr lang="en-US" dirty="0"/>
-              <a:t/>
-            </a:r>
             <a:br>
               <a:rPr lang="en-US" dirty="0"/>
             </a:br>
@@ -14031,10 +14023,6 @@
               <a:rPr lang="en-US" dirty="0"/>
               <a:t>  return function () {counter += 1; return counter}</a:t>
             </a:r>
-            <a:r>
-              <a:rPr lang="en-US" dirty="0"/>
-              <a:t/>
-            </a:r>
             <a:br>
               <a:rPr lang="en-US" dirty="0"/>
             </a:br>
@@ -14042,10 +14030,6 @@
               <a:rPr lang="en-US" dirty="0"/>
               <a:t>})();</a:t>
             </a:r>
-            <a:r>
-              <a:rPr lang="en-US" dirty="0"/>
-              <a:t/>
-            </a:r>
             <a:br>
               <a:rPr lang="en-US" dirty="0"/>
             </a:br>
@@ -14060,10 +14044,6 @@
               <a:rPr lang="en-US" dirty="0"/>
               <a:t>add();</a:t>
             </a:r>
-            <a:r>
-              <a:rPr lang="en-US" dirty="0"/>
-              <a:t/>
-            </a:r>
             <a:br>
               <a:rPr lang="en-US" dirty="0"/>
             </a:br>
@@ -14071,20 +14051,12 @@
               <a:rPr lang="en-US" dirty="0"/>
               <a:t>add();</a:t>
             </a:r>
-            <a:r>
-              <a:rPr lang="en-US" dirty="0"/>
-              <a:t/>
-            </a:r>
             <a:br>
               <a:rPr lang="en-US" dirty="0"/>
             </a:br>
             <a:r>
               <a:rPr lang="en-US" dirty="0"/>
               <a:t>add();</a:t>
-            </a:r>
-            <a:r>
-              <a:rPr lang="en-US" dirty="0"/>
-              <a:t/>
             </a:r>
             <a:br>
               <a:rPr lang="en-US" dirty="0"/>
@@ -14763,6 +14735,13 @@
   <p:clrMapOvr>
     <a:masterClrMapping/>
   </p:clrMapOvr>
+  <p:timing>
+    <p:tnLst>
+      <p:par>
+        <p:cTn id="1" dur="indefinite" restart="never" nodeType="tmRoot"/>
+      </p:par>
+    </p:tnLst>
+  </p:timing>
 </p:sld>
 </file>
 
@@ -16084,7 +16063,6 @@
               <a:rPr lang="en-US" sz="2400" dirty="0"/>
               <a:t>Write a function for coin toss. On calling the function, it should return head or tails randomly</a:t>
             </a:r>
-            <a:endParaRPr lang="en-US" sz="2400" dirty="0"/>
           </a:p>
         </p:txBody>
       </p:sp>
@@ -16301,7 +16279,7 @@
 </p:sld>
 </file>
 
-<file path=ppt/slides/slide3.xml><?xml version="1.0" encoding="utf-8"?>
+<file path=ppt/slides/slide28.xml><?xml version="1.0" encoding="utf-8"?>
 <p:sld xmlns:a="http://schemas.openxmlformats.org/drawingml/2006/main" xmlns:r="http://schemas.openxmlformats.org/officeDocument/2006/relationships" xmlns:p="http://schemas.openxmlformats.org/presentationml/2006/main">
   <p:cSld>
     <p:spTree>
@@ -16542,29 +16520,18 @@
               </a:tabLst>
             </a:pPr>
             <a:r>
-              <a:rPr lang="en-US" sz="3600" b="1" dirty="0" err="1" smtClean="0">
-                <a:solidFill>
-                  <a:schemeClr val="bg1"/>
-                </a:solidFill>
-              </a:rPr>
-              <a:t>Javascript</a:t>
-            </a:r>
-            <a:r>
               <a:rPr lang="en-US" sz="3600" b="1" dirty="0" smtClean="0">
                 <a:solidFill>
                   <a:schemeClr val="bg1"/>
                 </a:solidFill>
               </a:rPr>
-              <a:t> </a:t>
-            </a:r>
-            <a:r>
-              <a:rPr lang="en-US" sz="3600" b="1" dirty="0">
-                <a:solidFill>
-                  <a:schemeClr val="bg1"/>
-                </a:solidFill>
-              </a:rPr>
-              <a:t>can change HTML content</a:t>
-            </a:r>
+              <a:t>JSON</a:t>
+            </a:r>
+            <a:endParaRPr lang="en-US" sz="3600" b="1" dirty="0">
+              <a:solidFill>
+                <a:schemeClr val="bg1"/>
+              </a:solidFill>
+            </a:endParaRPr>
           </a:p>
         </p:txBody>
       </p:sp>
@@ -16582,8 +16549,8 @@
         </p:nvSpPr>
         <p:spPr>
           <a:xfrm>
-            <a:off x="806012" y="1783860"/>
-            <a:ext cx="10579975" cy="3600986"/>
+            <a:off x="738894" y="1403513"/>
+            <a:ext cx="10579975" cy="4985980"/>
           </a:xfrm>
           <a:prstGeom prst="rect">
             <a:avLst/>
@@ -16601,179 +16568,225 @@
           </a:bodyPr>
           <a:lstStyle/>
           <a:p>
-            <a:r>
-              <a:rPr lang="en-US" dirty="0" err="1"/>
-              <a:t>document.getElementById</a:t>
-            </a:r>
-            <a:r>
-              <a:rPr lang="en-US" dirty="0"/>
-              <a:t>("demo").</a:t>
-            </a:r>
-            <a:r>
-              <a:rPr lang="en-US" dirty="0" err="1"/>
-              <a:t>innerHTML</a:t>
-            </a:r>
-            <a:r>
-              <a:rPr lang="en-US" dirty="0"/>
-              <a:t> = "Hello </a:t>
+            <a:pPr lvl="1"/>
+            <a:r>
+              <a:rPr lang="en-US" dirty="0" err="1" smtClean="0"/>
+              <a:t>key:value</a:t>
             </a:r>
             <a:r>
               <a:rPr lang="en-US" dirty="0" smtClean="0"/>
-              <a:t>World"; </a:t>
-            </a:r>
-          </a:p>
-          <a:p>
-            <a:endParaRPr lang="en-US" dirty="0" smtClean="0"/>
-          </a:p>
-          <a:p>
-            <a:r>
-              <a:rPr lang="en-US" dirty="0" err="1" smtClean="0"/>
-              <a:t>document.getElementById</a:t>
-            </a:r>
-            <a:r>
-              <a:rPr lang="en-US" dirty="0"/>
-              <a:t>("demo</a:t>
-            </a:r>
-            <a:r>
-              <a:rPr lang="en-US" dirty="0" smtClean="0"/>
-              <a:t>").</a:t>
-            </a:r>
-            <a:r>
-              <a:rPr lang="en-US" dirty="0" err="1" smtClean="0"/>
-              <a:t>style.color</a:t>
-            </a:r>
-            <a:r>
-              <a:rPr lang="en-US" dirty="0" smtClean="0"/>
+              <a:t> pair</a:t>
+            </a:r>
+          </a:p>
+          <a:p>
+            <a:pPr lvl="1"/>
+            <a:endParaRPr lang="en-US" i="1" dirty="0"/>
+          </a:p>
+          <a:p>
+            <a:pPr lvl="1"/>
+            <a:r>
+              <a:rPr lang="en-US" i="1" dirty="0" err="1" smtClean="0"/>
+              <a:t>var</a:t>
+            </a:r>
+            <a:r>
+              <a:rPr lang="en-US" i="1" dirty="0" smtClean="0"/>
               <a:t> </a:t>
             </a:r>
             <a:r>
-              <a:rPr lang="en-US" dirty="0"/>
-              <a:t>= </a:t>
-            </a:r>
-            <a:r>
-              <a:rPr lang="en-US" dirty="0" smtClean="0"/>
-              <a:t>“</a:t>
-            </a:r>
-            <a:r>
-              <a:rPr lang="en-US" dirty="0" err="1" smtClean="0"/>
-              <a:t>skyblue</a:t>
-            </a:r>
-            <a:r>
-              <a:rPr lang="en-US" dirty="0" smtClean="0"/>
-              <a:t>"; </a:t>
-            </a:r>
-            <a:endParaRPr lang="en-US" dirty="0"/>
-          </a:p>
-          <a:p>
-            <a:endParaRPr lang="en-US" dirty="0"/>
-          </a:p>
-          <a:p>
+              <a:rPr lang="en-US" i="1" dirty="0" err="1" smtClean="0"/>
+              <a:t>myJSON</a:t>
+            </a:r>
             <a:r>
               <a:rPr lang="en-US" i="1" dirty="0" smtClean="0"/>
-              <a:t>&lt;!</a:t>
-            </a:r>
+              <a:t>=	{</a:t>
+            </a:r>
+            <a:endParaRPr lang="en-US" i="1" dirty="0"/>
+          </a:p>
+          <a:p>
+            <a:pPr lvl="1"/>
+            <a:r>
+              <a:rPr lang="en-US" i="1" dirty="0" smtClean="0"/>
+              <a:t>                         name:”</a:t>
+            </a:r>
+            <a:r>
+              <a:rPr lang="en-US" i="1" dirty="0" err="1" smtClean="0"/>
+              <a:t>iTrain</a:t>
+            </a:r>
+            <a:r>
+              <a:rPr lang="en-US" i="1" dirty="0" smtClean="0"/>
+              <a:t>”,</a:t>
+            </a:r>
+          </a:p>
+          <a:p>
+            <a:pPr lvl="1"/>
             <a:r>
               <a:rPr lang="en-US" i="1" dirty="0"/>
-              <a:t>DOCTYPE html&gt;</a:t>
-            </a:r>
-          </a:p>
-          <a:p>
+              <a:t> </a:t>
+            </a:r>
+            <a:r>
+              <a:rPr lang="en-US" i="1" dirty="0" smtClean="0"/>
+              <a:t>                        </a:t>
+            </a:r>
+            <a:r>
+              <a:rPr lang="en-US" i="1" dirty="0" err="1" smtClean="0"/>
+              <a:t>location:”BTM</a:t>
+            </a:r>
+            <a:r>
+              <a:rPr lang="en-US" i="1" dirty="0" smtClean="0"/>
+              <a:t>”</a:t>
+            </a:r>
+          </a:p>
+          <a:p>
+            <a:pPr lvl="1"/>
             <a:r>
               <a:rPr lang="en-US" i="1" dirty="0"/>
-              <a:t>&lt;html&gt;</a:t>
-            </a:r>
-          </a:p>
-          <a:p>
+              <a:t> </a:t>
+            </a:r>
+            <a:r>
+              <a:rPr lang="en-US" i="1" dirty="0" smtClean="0"/>
+              <a:t>                    }</a:t>
+            </a:r>
+          </a:p>
+          <a:p>
+            <a:pPr lvl="1"/>
+            <a:endParaRPr lang="en-US" i="1" dirty="0" smtClean="0"/>
+          </a:p>
+          <a:p>
+            <a:pPr lvl="1"/>
+            <a:r>
+              <a:rPr lang="en-US" i="1" dirty="0" err="1" smtClean="0"/>
+              <a:t>var</a:t>
+            </a:r>
+            <a:r>
+              <a:rPr lang="en-US" i="1" dirty="0" smtClean="0"/>
+              <a:t> </a:t>
+            </a:r>
+            <a:r>
+              <a:rPr lang="en-US" i="1" dirty="0" err="1" smtClean="0"/>
+              <a:t>myNestedJSON</a:t>
+            </a:r>
+            <a:r>
+              <a:rPr lang="en-US" i="1" dirty="0" smtClean="0"/>
+              <a:t>=   {</a:t>
+            </a:r>
+            <a:endParaRPr lang="en-US" i="1" dirty="0"/>
+          </a:p>
+          <a:p>
+            <a:pPr lvl="6"/>
             <a:r>
               <a:rPr lang="en-US" i="1" dirty="0"/>
-              <a:t>&lt;body&gt;</a:t>
-            </a:r>
-          </a:p>
-          <a:p>
+              <a:t>name:”</a:t>
+            </a:r>
+            <a:r>
+              <a:rPr lang="en-US" i="1" dirty="0" err="1"/>
+              <a:t>iTrain</a:t>
+            </a:r>
+            <a:r>
+              <a:rPr lang="en-US" i="1" dirty="0"/>
+              <a:t>”,</a:t>
+            </a:r>
+          </a:p>
+          <a:p>
+            <a:pPr lvl="6"/>
+            <a:r>
+              <a:rPr lang="en-US" i="1" dirty="0" err="1"/>
+              <a:t>location:”BTM</a:t>
+            </a:r>
             <a:r>
               <a:rPr lang="en-US" i="1" dirty="0" smtClean="0"/>
-              <a:t>&lt;h2&gt;Document Object Model Computation&lt;/</a:t>
-            </a:r>
+              <a:t>”,</a:t>
+            </a:r>
+          </a:p>
+          <a:p>
+            <a:pPr lvl="6"/>
+            <a:r>
+              <a:rPr lang="en-US" i="1" dirty="0" smtClean="0"/>
+              <a:t>address:{</a:t>
+            </a:r>
+          </a:p>
+          <a:p>
+            <a:pPr lvl="6"/>
             <a:r>
               <a:rPr lang="en-US" i="1" dirty="0"/>
-              <a:t>h2&gt;</a:t>
-            </a:r>
-          </a:p>
-          <a:p>
+              <a:t>	 </a:t>
+            </a:r>
             <a:r>
               <a:rPr lang="en-US" i="1" dirty="0" smtClean="0"/>
-              <a:t>&lt;</a:t>
-            </a:r>
+              <a:t>     </a:t>
+            </a:r>
+            <a:r>
+              <a:rPr lang="en-US" i="1" dirty="0" err="1" smtClean="0"/>
+              <a:t>location:”BTM</a:t>
+            </a:r>
+            <a:r>
+              <a:rPr lang="en-US" i="1" dirty="0" smtClean="0"/>
+              <a:t> 1</a:t>
+            </a:r>
+            <a:r>
+              <a:rPr lang="en-US" i="1" baseline="30000" dirty="0" smtClean="0"/>
+              <a:t>st</a:t>
+            </a:r>
+            <a:r>
+              <a:rPr lang="en-US" i="1" dirty="0" smtClean="0"/>
+              <a:t> Stage”,</a:t>
+            </a:r>
+          </a:p>
+          <a:p>
+            <a:pPr lvl="6"/>
             <a:r>
               <a:rPr lang="en-US" i="1" dirty="0"/>
-              <a:t>p id="demo"&gt;JavaScript can change </a:t>
+              <a:t>	 </a:t>
             </a:r>
             <a:r>
               <a:rPr lang="en-US" i="1" dirty="0" smtClean="0"/>
-              <a:t>DOM&lt;/</a:t>
-            </a:r>
+              <a:t>     </a:t>
+            </a:r>
+            <a:r>
+              <a:rPr lang="en-US" i="1" dirty="0" err="1" smtClean="0"/>
+              <a:t>city:”Bangalore</a:t>
+            </a:r>
+            <a:r>
+              <a:rPr lang="en-US" i="1" dirty="0" smtClean="0"/>
+              <a:t>”,</a:t>
+            </a:r>
+          </a:p>
+          <a:p>
+            <a:pPr lvl="6"/>
             <a:r>
               <a:rPr lang="en-US" i="1" dirty="0"/>
-              <a:t>p&gt;</a:t>
-            </a:r>
-          </a:p>
-          <a:p>
+              <a:t>	 </a:t>
+            </a:r>
             <a:r>
               <a:rPr lang="en-US" i="1" dirty="0" smtClean="0"/>
-              <a:t>&lt;</a:t>
-            </a:r>
+              <a:t>     pin:560068</a:t>
+            </a:r>
+          </a:p>
+          <a:p>
+            <a:pPr lvl="6"/>
             <a:r>
               <a:rPr lang="en-US" i="1" dirty="0"/>
-              <a:t>button type="button" </a:t>
-            </a:r>
-            <a:r>
-              <a:rPr lang="en-US" i="1" dirty="0" err="1"/>
-              <a:t>onclick</a:t>
-            </a:r>
+              <a:t>	</a:t>
+            </a:r>
+            <a:r>
+              <a:rPr lang="en-US" i="1" dirty="0" smtClean="0"/>
+              <a:t>     }</a:t>
+            </a:r>
+            <a:endParaRPr lang="en-US" i="1" dirty="0"/>
+          </a:p>
+          <a:p>
+            <a:pPr lvl="6"/>
             <a:r>
               <a:rPr lang="en-US" i="1" dirty="0"/>
-              <a:t>='</a:t>
-            </a:r>
-            <a:r>
-              <a:rPr lang="en-US" i="1" dirty="0" err="1"/>
-              <a:t>document.getElementById</a:t>
-            </a:r>
-            <a:r>
-              <a:rPr lang="en-US" i="1" dirty="0"/>
-              <a:t>("demo").</a:t>
-            </a:r>
-            <a:r>
-              <a:rPr lang="en-US" i="1" dirty="0" err="1"/>
-              <a:t>innerHTML</a:t>
-            </a:r>
-            <a:r>
-              <a:rPr lang="en-US" i="1" dirty="0"/>
-              <a:t> = "Hello </a:t>
-            </a:r>
-            <a:r>
-              <a:rPr lang="en-US" i="1" dirty="0" smtClean="0"/>
-              <a:t>World!"'&gt;Don’t click!&lt;/</a:t>
-            </a:r>
-            <a:r>
-              <a:rPr lang="en-US" i="1" dirty="0"/>
-              <a:t>button&gt;</a:t>
-            </a:r>
-          </a:p>
-          <a:p>
-            <a:r>
-              <a:rPr lang="en-US" i="1" smtClean="0"/>
-              <a:t>&lt;/</a:t>
-            </a:r>
-            <a:r>
-              <a:rPr lang="en-US" i="1" dirty="0"/>
-              <a:t>body&gt;</a:t>
-            </a:r>
-          </a:p>
-          <a:p>
-            <a:r>
-              <a:rPr lang="en-US" i="1" dirty="0"/>
-              <a:t>&lt;/html&gt;</a:t>
-            </a:r>
+              <a:t>}</a:t>
+            </a:r>
+          </a:p>
+          <a:p>
+            <a:pPr lvl="1"/>
+            <a:endParaRPr lang="en-US" i="1" dirty="0" smtClean="0"/>
+          </a:p>
+          <a:p>
+            <a:pPr lvl="1"/>
+            <a:endParaRPr lang="en-US" i="1" dirty="0" smtClean="0"/>
           </a:p>
         </p:txBody>
       </p:sp>
@@ -16794,7 +16807,7 @@
           <a:p>
             <a:fld id="{A428E537-E56B-49CA-B596-52598082FBE8}" type="slidenum">
               <a:rPr lang="en-US" smtClean="0"/>
-              <a:t>3</a:t>
+              <a:t>28</a:t>
             </a:fld>
             <a:endParaRPr lang="en-US" dirty="0"/>
           </a:p>
@@ -16803,7 +16816,7 @@
     </p:spTree>
     <p:extLst>
       <p:ext uri="{BB962C8B-B14F-4D97-AF65-F5344CB8AC3E}">
-        <p14:creationId xmlns:p14="http://schemas.microsoft.com/office/powerpoint/2010/main" val="2860898117"/>
+        <p14:creationId xmlns:p14="http://schemas.microsoft.com/office/powerpoint/2010/main" val="2836110656"/>
       </p:ext>
     </p:extLst>
   </p:cSld>
@@ -16820,7 +16833,7 @@
 </p:sld>
 </file>
 
-<file path=ppt/slides/slide4.xml><?xml version="1.0" encoding="utf-8"?>
+<file path=ppt/slides/slide29.xml><?xml version="1.0" encoding="utf-8"?>
 <p:sld xmlns:a="http://schemas.openxmlformats.org/drawingml/2006/main" xmlns:r="http://schemas.openxmlformats.org/officeDocument/2006/relationships" xmlns:p="http://schemas.openxmlformats.org/presentationml/2006/main">
   <p:cSld>
     <p:spTree>
@@ -17066,7 +17079,7 @@
                   <a:schemeClr val="bg1"/>
                 </a:solidFill>
               </a:rPr>
-              <a:t>&lt;SCRIPT&gt;</a:t>
+              <a:t>JSON</a:t>
             </a:r>
             <a:endParaRPr lang="en-US" sz="3600" b="1" dirty="0">
               <a:solidFill>
@@ -17090,8 +17103,8 @@
         </p:nvSpPr>
         <p:spPr>
           <a:xfrm>
-            <a:off x="806012" y="1783860"/>
-            <a:ext cx="10579975" cy="4431983"/>
+            <a:off x="738894" y="1403513"/>
+            <a:ext cx="10579975" cy="4708981"/>
           </a:xfrm>
           <a:prstGeom prst="rect">
             <a:avLst/>
@@ -17109,135 +17122,198 @@
           </a:bodyPr>
           <a:lstStyle/>
           <a:p>
+            <a:pPr lvl="1"/>
             <a:r>
               <a:rPr lang="en-US" dirty="0" smtClean="0"/>
-              <a:t>Where do we write </a:t>
-            </a:r>
-            <a:r>
-              <a:rPr lang="en-US" dirty="0" err="1" smtClean="0"/>
-              <a:t>Javascript</a:t>
-            </a:r>
-            <a:r>
-              <a:rPr lang="en-US" dirty="0" smtClean="0"/>
-              <a:t> code in HTML?</a:t>
-            </a:r>
-          </a:p>
-          <a:p>
-            <a:endParaRPr lang="en-US" dirty="0" smtClean="0"/>
-          </a:p>
-          <a:p>
-            <a:r>
-              <a:rPr lang="en-US" b="1" dirty="0" smtClean="0"/>
-              <a:t>Code inside &lt;script&gt; Tag</a:t>
-            </a:r>
-            <a:endParaRPr lang="en-US" b="1" dirty="0"/>
-          </a:p>
-          <a:p>
-            <a:r>
-              <a:rPr lang="en-US" dirty="0" smtClean="0"/>
-              <a:t>&lt;</a:t>
-            </a:r>
-            <a:r>
-              <a:rPr lang="en-US" dirty="0"/>
-              <a:t>script&gt;</a:t>
-            </a:r>
-            <a:br>
-              <a:rPr lang="en-US" dirty="0"/>
-            </a:br>
-            <a:r>
-              <a:rPr lang="en-US" dirty="0" err="1"/>
-              <a:t>document.getElementById</a:t>
-            </a:r>
-            <a:r>
-              <a:rPr lang="en-US" dirty="0"/>
-              <a:t>("demo").</a:t>
-            </a:r>
-            <a:r>
-              <a:rPr lang="en-US" dirty="0" err="1"/>
-              <a:t>innerHTML</a:t>
-            </a:r>
-            <a:r>
-              <a:rPr lang="en-US" dirty="0"/>
-              <a:t> = "My First JavaScript";</a:t>
-            </a:r>
-            <a:br>
-              <a:rPr lang="en-US" dirty="0"/>
-            </a:br>
-            <a:r>
-              <a:rPr lang="en-US" dirty="0"/>
-              <a:t>&lt;/script</a:t>
-            </a:r>
-            <a:r>
-              <a:rPr lang="en-US" dirty="0" smtClean="0"/>
-              <a:t>&gt;</a:t>
-            </a:r>
-          </a:p>
-          <a:p>
+              <a:t>myJSON.name</a:t>
+            </a:r>
+          </a:p>
+          <a:p>
+            <a:pPr lvl="1"/>
+            <a:endParaRPr lang="en-US" dirty="0"/>
+          </a:p>
+          <a:p>
+            <a:pPr lvl="1"/>
+            <a:r>
+              <a:rPr lang="en-US" i="1" dirty="0" err="1" smtClean="0"/>
+              <a:t>myJSON.address.city</a:t>
+            </a:r>
             <a:endParaRPr lang="en-US" i="1" dirty="0" smtClean="0"/>
           </a:p>
           <a:p>
-            <a:r>
-              <a:rPr lang="en-US" b="1" dirty="0" smtClean="0"/>
-              <a:t>External JS File</a:t>
-            </a:r>
-            <a:endParaRPr lang="en-US" b="1" dirty="0"/>
-          </a:p>
-          <a:p>
-            <a:r>
-              <a:rPr lang="en-US" dirty="0"/>
-              <a:t>&lt;script </a:t>
-            </a:r>
-            <a:r>
-              <a:rPr lang="en-US" dirty="0" err="1"/>
-              <a:t>src</a:t>
-            </a:r>
-            <a:r>
-              <a:rPr lang="en-US" dirty="0"/>
-              <a:t>="myScript.js"&gt;&lt;/script&gt;</a:t>
-            </a:r>
+            <a:pPr lvl="1"/>
             <a:endParaRPr lang="en-US" i="1" dirty="0"/>
           </a:p>
           <a:p>
+            <a:pPr lvl="1"/>
             <a:endParaRPr lang="en-US" i="1" dirty="0" smtClean="0"/>
           </a:p>
           <a:p>
-            <a:pPr marL="285750" indent="-285750">
-              <a:buFont typeface="Arial" panose="020B0604020202020204" pitchFamily="34" charset="0"/>
-              <a:buChar char="•"/>
-            </a:pPr>
-            <a:r>
-              <a:rPr lang="en-US" dirty="0"/>
-              <a:t>It separates HTML and code</a:t>
-            </a:r>
-          </a:p>
-          <a:p>
-            <a:pPr marL="285750" indent="-285750">
-              <a:buFont typeface="Arial" panose="020B0604020202020204" pitchFamily="34" charset="0"/>
-              <a:buChar char="•"/>
-            </a:pPr>
-            <a:r>
-              <a:rPr lang="en-US" dirty="0"/>
-              <a:t>It makes HTML and JavaScript easier to read and maintain</a:t>
-            </a:r>
-          </a:p>
-          <a:p>
-            <a:pPr marL="285750" indent="-285750">
-              <a:buFont typeface="Arial" panose="020B0604020202020204" pitchFamily="34" charset="0"/>
-              <a:buChar char="•"/>
-            </a:pPr>
-            <a:r>
-              <a:rPr lang="en-US" dirty="0"/>
-              <a:t>Cached JavaScript files can speed up page loads</a:t>
-            </a:r>
-          </a:p>
-          <a:p>
+            <a:pPr lvl="1"/>
+            <a:r>
+              <a:rPr lang="en-US" i="1" dirty="0" err="1" smtClean="0"/>
+              <a:t>myJSONStr</a:t>
+            </a:r>
+            <a:r>
+              <a:rPr lang="en-US" i="1" dirty="0" smtClean="0"/>
+              <a:t>=</a:t>
+            </a:r>
+            <a:r>
+              <a:rPr lang="en-US" i="1" dirty="0" err="1" smtClean="0"/>
+              <a:t>JSON.Stringify</a:t>
+            </a:r>
+            <a:r>
+              <a:rPr lang="en-US" i="1" dirty="0" smtClean="0"/>
+              <a:t>(</a:t>
+            </a:r>
+            <a:r>
+              <a:rPr lang="en-US" i="1" dirty="0" err="1" smtClean="0"/>
+              <a:t>myJSON</a:t>
+            </a:r>
+            <a:r>
+              <a:rPr lang="en-US" i="1" dirty="0" smtClean="0"/>
+              <a:t>)</a:t>
+            </a:r>
+          </a:p>
+          <a:p>
+            <a:pPr lvl="1"/>
             <a:endParaRPr lang="en-US" i="1" dirty="0"/>
           </a:p>
           <a:p>
+            <a:pPr lvl="1"/>
+            <a:r>
+              <a:rPr lang="en-US" i="1" dirty="0" err="1" smtClean="0"/>
+              <a:t>JSON.parse</a:t>
+            </a:r>
+            <a:r>
+              <a:rPr lang="en-US" i="1" dirty="0" smtClean="0"/>
+              <a:t>(</a:t>
+            </a:r>
+            <a:r>
+              <a:rPr lang="en-US" i="1" dirty="0" err="1" smtClean="0"/>
+              <a:t>myJSONStr</a:t>
+            </a:r>
+            <a:r>
+              <a:rPr lang="en-US" i="1" dirty="0" smtClean="0"/>
+              <a:t>);</a:t>
+            </a:r>
+          </a:p>
+          <a:p>
+            <a:pPr lvl="1"/>
+            <a:endParaRPr lang="en-US" i="1" dirty="0"/>
+          </a:p>
+          <a:p>
+            <a:pPr lvl="1"/>
+            <a:r>
+              <a:rPr lang="en-US" i="1" dirty="0" smtClean="0"/>
+              <a:t>for(</a:t>
+            </a:r>
+            <a:r>
+              <a:rPr lang="en-US" i="1" dirty="0" err="1" smtClean="0"/>
+              <a:t>i</a:t>
+            </a:r>
+            <a:r>
+              <a:rPr lang="en-US" i="1" dirty="0" smtClean="0"/>
+              <a:t> in </a:t>
+            </a:r>
+            <a:r>
+              <a:rPr lang="en-US" i="1" dirty="0" err="1" smtClean="0"/>
+              <a:t>myJSON</a:t>
+            </a:r>
+            <a:r>
+              <a:rPr lang="en-US" i="1" dirty="0" smtClean="0"/>
+              <a:t>){</a:t>
+            </a:r>
+          </a:p>
+          <a:p>
+            <a:pPr lvl="1"/>
+            <a:r>
+              <a:rPr lang="en-US" i="1" dirty="0" smtClean="0"/>
+              <a:t>	console.log(</a:t>
+            </a:r>
+            <a:r>
+              <a:rPr lang="en-US" i="1" dirty="0" err="1" smtClean="0"/>
+              <a:t>i</a:t>
+            </a:r>
+            <a:r>
+              <a:rPr lang="en-US" i="1" dirty="0" smtClean="0"/>
+              <a:t>)</a:t>
+            </a:r>
+            <a:endParaRPr lang="en-US" i="1" dirty="0"/>
+          </a:p>
+          <a:p>
+            <a:pPr lvl="1"/>
+            <a:r>
+              <a:rPr lang="en-US" i="1" dirty="0" smtClean="0"/>
+              <a:t>}</a:t>
+            </a:r>
+            <a:endParaRPr lang="en-US" i="1" dirty="0"/>
+          </a:p>
+          <a:p>
+            <a:pPr lvl="1"/>
             <a:endParaRPr lang="en-US" i="1" dirty="0" smtClean="0"/>
           </a:p>
           <a:p>
+            <a:pPr lvl="1"/>
+            <a:r>
+              <a:rPr lang="en-US" i="1" dirty="0"/>
+              <a:t>for(</a:t>
+            </a:r>
+            <a:r>
+              <a:rPr lang="en-US" i="1" dirty="0" err="1"/>
+              <a:t>i</a:t>
+            </a:r>
+            <a:r>
+              <a:rPr lang="en-US" i="1" dirty="0"/>
+              <a:t> in </a:t>
+            </a:r>
+            <a:r>
+              <a:rPr lang="en-US" i="1" dirty="0" err="1"/>
+              <a:t>myJSON</a:t>
+            </a:r>
+            <a:r>
+              <a:rPr lang="en-US" i="1" dirty="0"/>
+              <a:t>){</a:t>
+            </a:r>
+          </a:p>
+          <a:p>
+            <a:pPr lvl="1"/>
+            <a:r>
+              <a:rPr lang="en-US" i="1" dirty="0"/>
+              <a:t>	</a:t>
+            </a:r>
+            <a:r>
+              <a:rPr lang="en-US" i="1" dirty="0" smtClean="0"/>
+              <a:t>console.log(</a:t>
+            </a:r>
+            <a:r>
+              <a:rPr lang="en-US" i="1" dirty="0" err="1" smtClean="0"/>
+              <a:t>myJSON</a:t>
+            </a:r>
+            <a:r>
+              <a:rPr lang="en-US" i="1" dirty="0" smtClean="0"/>
+              <a:t>[</a:t>
+            </a:r>
+            <a:r>
+              <a:rPr lang="en-US" i="1" dirty="0" err="1" smtClean="0"/>
+              <a:t>i</a:t>
+            </a:r>
+            <a:r>
+              <a:rPr lang="en-US" i="1" dirty="0" smtClean="0"/>
+              <a:t>])</a:t>
+            </a:r>
             <a:endParaRPr lang="en-US" i="1" dirty="0"/>
+          </a:p>
+          <a:p>
+            <a:pPr lvl="1"/>
+            <a:r>
+              <a:rPr lang="en-US" i="1" dirty="0"/>
+              <a:t>}</a:t>
+            </a:r>
+          </a:p>
+          <a:p>
+            <a:pPr lvl="1"/>
+            <a:endParaRPr lang="en-US" i="1" dirty="0" smtClean="0"/>
           </a:p>
         </p:txBody>
       </p:sp>
@@ -17258,7 +17334,7 @@
           <a:p>
             <a:fld id="{A428E537-E56B-49CA-B596-52598082FBE8}" type="slidenum">
               <a:rPr lang="en-US" smtClean="0"/>
-              <a:t>4</a:t>
+              <a:t>29</a:t>
             </a:fld>
             <a:endParaRPr lang="en-US" dirty="0"/>
           </a:p>
@@ -17267,7 +17343,7 @@
     </p:spTree>
     <p:extLst>
       <p:ext uri="{BB962C8B-B14F-4D97-AF65-F5344CB8AC3E}">
-        <p14:creationId xmlns:p14="http://schemas.microsoft.com/office/powerpoint/2010/main" val="116273517"/>
+        <p14:creationId xmlns:p14="http://schemas.microsoft.com/office/powerpoint/2010/main" val="57111597"/>
       </p:ext>
     </p:extLst>
   </p:cSld>
@@ -17284,7 +17360,7 @@
 </p:sld>
 </file>
 
-<file path=ppt/slides/slide5.xml><?xml version="1.0" encoding="utf-8"?>
+<file path=ppt/slides/slide3.xml><?xml version="1.0" encoding="utf-8"?>
 <p:sld xmlns:a="http://schemas.openxmlformats.org/drawingml/2006/main" xmlns:r="http://schemas.openxmlformats.org/officeDocument/2006/relationships" xmlns:p="http://schemas.openxmlformats.org/presentationml/2006/main">
   <p:cSld>
     <p:spTree>
@@ -17530,7 +17606,7 @@
                   <a:schemeClr val="bg1"/>
                 </a:solidFill>
               </a:rPr>
-              <a:t>Document.write</a:t>
+              <a:t>Javascript</a:t>
             </a:r>
             <a:r>
               <a:rPr lang="en-US" sz="3600" b="1" dirty="0" smtClean="0">
@@ -17538,13 +17614,16 @@
                   <a:schemeClr val="bg1"/>
                 </a:solidFill>
               </a:rPr>
-              <a:t>, alert, console.log</a:t>
-            </a:r>
-            <a:endParaRPr lang="en-US" sz="3600" b="1" dirty="0">
-              <a:solidFill>
-                <a:schemeClr val="bg1"/>
-              </a:solidFill>
-            </a:endParaRPr>
+              <a:t> </a:t>
+            </a:r>
+            <a:r>
+              <a:rPr lang="en-US" sz="3600" b="1" dirty="0">
+                <a:solidFill>
+                  <a:schemeClr val="bg1"/>
+                </a:solidFill>
+              </a:rPr>
+              <a:t>can change HTML content</a:t>
+            </a:r>
           </a:p>
         </p:txBody>
       </p:sp>
@@ -17563,7 +17642,7 @@
         <p:spPr>
           <a:xfrm>
             <a:off x="806012" y="1783860"/>
-            <a:ext cx="10579975" cy="3046988"/>
+            <a:ext cx="10579975" cy="3600986"/>
           </a:xfrm>
           <a:prstGeom prst="rect">
             <a:avLst/>
@@ -17582,59 +17661,178 @@
           <a:lstStyle/>
           <a:p>
             <a:r>
-              <a:rPr lang="en-US" b="1" dirty="0" err="1" smtClean="0"/>
-              <a:t>Document.write</a:t>
-            </a:r>
-            <a:r>
-              <a:rPr lang="en-US" b="1" dirty="0" smtClean="0"/>
+              <a:rPr lang="en-US" dirty="0" err="1"/>
+              <a:t>document.getElementById</a:t>
+            </a:r>
+            <a:r>
+              <a:rPr lang="en-US" dirty="0"/>
+              <a:t>("demo").</a:t>
+            </a:r>
+            <a:r>
+              <a:rPr lang="en-US" dirty="0" err="1"/>
+              <a:t>innerHTML</a:t>
+            </a:r>
+            <a:r>
+              <a:rPr lang="en-US" dirty="0"/>
+              <a:t> = "Hello </a:t>
+            </a:r>
+            <a:r>
+              <a:rPr lang="en-US" dirty="0" smtClean="0"/>
+              <a:t>World"; </a:t>
+            </a:r>
+          </a:p>
+          <a:p>
+            <a:endParaRPr lang="en-US" dirty="0" smtClean="0"/>
+          </a:p>
+          <a:p>
+            <a:r>
+              <a:rPr lang="en-US" dirty="0" err="1" smtClean="0"/>
+              <a:t>document.getElementById</a:t>
+            </a:r>
+            <a:r>
+              <a:rPr lang="en-US" dirty="0"/>
+              <a:t>("demo</a:t>
+            </a:r>
+            <a:r>
+              <a:rPr lang="en-US" dirty="0" smtClean="0"/>
+              <a:t>").</a:t>
+            </a:r>
+            <a:r>
+              <a:rPr lang="en-US" dirty="0" err="1" smtClean="0"/>
+              <a:t>style.color</a:t>
+            </a:r>
+            <a:r>
+              <a:rPr lang="en-US" dirty="0" smtClean="0"/>
               <a:t> </a:t>
             </a:r>
-          </a:p>
-          <a:p>
+            <a:r>
+              <a:rPr lang="en-US" dirty="0"/>
+              <a:t>= </a:t>
+            </a:r>
+            <a:r>
+              <a:rPr lang="en-US" dirty="0" smtClean="0"/>
+              <a:t>“</a:t>
+            </a:r>
+            <a:r>
+              <a:rPr lang="en-US" dirty="0" err="1" smtClean="0"/>
+              <a:t>skyblue</a:t>
+            </a:r>
+            <a:r>
+              <a:rPr lang="en-US" dirty="0" smtClean="0"/>
+              <a:t>"; </a:t>
+            </a:r>
             <a:endParaRPr lang="en-US" dirty="0"/>
           </a:p>
           <a:p>
-            <a:r>
-              <a:rPr lang="en-US" dirty="0" smtClean="0"/>
-              <a:t>Writes the data in the HTML</a:t>
-            </a:r>
-          </a:p>
-          <a:p>
             <a:endParaRPr lang="en-US" dirty="0"/>
           </a:p>
           <a:p>
             <a:r>
-              <a:rPr lang="en-US" b="1" dirty="0" smtClean="0"/>
-              <a:t>Console.log</a:t>
-            </a:r>
-          </a:p>
-          <a:p>
-            <a:endParaRPr lang="en-US" dirty="0"/>
-          </a:p>
-          <a:p>
-            <a:r>
-              <a:rPr lang="en-US" dirty="0" smtClean="0"/>
-              <a:t>Prints data in the console</a:t>
-            </a:r>
-          </a:p>
-          <a:p>
-            <a:endParaRPr lang="en-US" dirty="0"/>
-          </a:p>
-          <a:p>
-            <a:r>
-              <a:rPr lang="en-US" b="1" dirty="0" smtClean="0"/>
-              <a:t>Alert</a:t>
-            </a:r>
-          </a:p>
-          <a:p>
-            <a:endParaRPr lang="en-US" b="1" dirty="0" smtClean="0"/>
-          </a:p>
-          <a:p>
-            <a:r>
-              <a:rPr lang="en-US" dirty="0" smtClean="0"/>
-              <a:t>Pops an alert box in the HTML file</a:t>
-            </a:r>
-            <a:endParaRPr lang="en-US" dirty="0"/>
+              <a:rPr lang="en-US" i="1" dirty="0" smtClean="0"/>
+              <a:t>&lt;!</a:t>
+            </a:r>
+            <a:r>
+              <a:rPr lang="en-US" i="1" dirty="0"/>
+              <a:t>DOCTYPE html&gt;</a:t>
+            </a:r>
+          </a:p>
+          <a:p>
+            <a:r>
+              <a:rPr lang="en-US" i="1" dirty="0"/>
+              <a:t>&lt;html&gt;</a:t>
+            </a:r>
+          </a:p>
+          <a:p>
+            <a:r>
+              <a:rPr lang="en-US" i="1" dirty="0"/>
+              <a:t>&lt;body&gt;</a:t>
+            </a:r>
+          </a:p>
+          <a:p>
+            <a:r>
+              <a:rPr lang="en-US" i="1" dirty="0" smtClean="0"/>
+              <a:t>&lt;h2&gt;Document Object Model Computation&lt;/</a:t>
+            </a:r>
+            <a:r>
+              <a:rPr lang="en-US" i="1" dirty="0"/>
+              <a:t>h2&gt;</a:t>
+            </a:r>
+          </a:p>
+          <a:p>
+            <a:r>
+              <a:rPr lang="en-US" i="1" dirty="0" smtClean="0"/>
+              <a:t>&lt;</a:t>
+            </a:r>
+            <a:r>
+              <a:rPr lang="en-US" i="1" dirty="0"/>
+              <a:t>p id="demo"&gt;JavaScript can change </a:t>
+            </a:r>
+            <a:r>
+              <a:rPr lang="en-US" i="1" dirty="0" smtClean="0"/>
+              <a:t>DOM&lt;/</a:t>
+            </a:r>
+            <a:r>
+              <a:rPr lang="en-US" i="1" dirty="0"/>
+              <a:t>p&gt;</a:t>
+            </a:r>
+          </a:p>
+          <a:p>
+            <a:r>
+              <a:rPr lang="en-US" i="1" dirty="0" smtClean="0"/>
+              <a:t>&lt;</a:t>
+            </a:r>
+            <a:r>
+              <a:rPr lang="en-US" i="1" dirty="0"/>
+              <a:t>button type="button" </a:t>
+            </a:r>
+            <a:r>
+              <a:rPr lang="en-US" i="1" dirty="0" err="1"/>
+              <a:t>onclick</a:t>
+            </a:r>
+            <a:r>
+              <a:rPr lang="en-US" i="1" dirty="0"/>
+              <a:t>='</a:t>
+            </a:r>
+            <a:r>
+              <a:rPr lang="en-US" i="1" dirty="0" err="1"/>
+              <a:t>document.getElementById</a:t>
+            </a:r>
+            <a:r>
+              <a:rPr lang="en-US" i="1" dirty="0"/>
+              <a:t>("demo").</a:t>
+            </a:r>
+            <a:r>
+              <a:rPr lang="en-US" i="1" dirty="0" err="1"/>
+              <a:t>innerHTML</a:t>
+            </a:r>
+            <a:r>
+              <a:rPr lang="en-US" i="1" dirty="0"/>
+              <a:t> = "Hello </a:t>
+            </a:r>
+            <a:r>
+              <a:rPr lang="en-US" i="1" dirty="0" smtClean="0"/>
+              <a:t>World!"'&gt;Don’t click!&lt;/</a:t>
+            </a:r>
+            <a:r>
+              <a:rPr lang="en-US" i="1" dirty="0"/>
+              <a:t>button&gt;</a:t>
+            </a:r>
+          </a:p>
+          <a:p>
+            <a:r>
+              <a:rPr lang="en-US" i="1" smtClean="0"/>
+              <a:t>&lt;/</a:t>
+            </a:r>
+            <a:r>
+              <a:rPr lang="en-US" i="1" dirty="0"/>
+              <a:t>body&gt;</a:t>
+            </a:r>
+          </a:p>
+          <a:p>
+            <a:r>
+              <a:rPr lang="en-US" i="1" dirty="0"/>
+              <a:t>&lt;/html&gt;</a:t>
+            </a:r>
           </a:p>
         </p:txBody>
       </p:sp>
@@ -17655,7 +17853,7 @@
           <a:p>
             <a:fld id="{A428E537-E56B-49CA-B596-52598082FBE8}" type="slidenum">
               <a:rPr lang="en-US" smtClean="0"/>
-              <a:t>5</a:t>
+              <a:t>3</a:t>
             </a:fld>
             <a:endParaRPr lang="en-US" dirty="0"/>
           </a:p>
@@ -17664,7 +17862,7 @@
     </p:spTree>
     <p:extLst>
       <p:ext uri="{BB962C8B-B14F-4D97-AF65-F5344CB8AC3E}">
-        <p14:creationId xmlns:p14="http://schemas.microsoft.com/office/powerpoint/2010/main" val="1712229175"/>
+        <p14:creationId xmlns:p14="http://schemas.microsoft.com/office/powerpoint/2010/main" val="2860898117"/>
       </p:ext>
     </p:extLst>
   </p:cSld>
@@ -17681,7 +17879,7 @@
 </p:sld>
 </file>
 
-<file path=ppt/slides/slide6.xml><?xml version="1.0" encoding="utf-8"?>
+<file path=ppt/slides/slide4.xml><?xml version="1.0" encoding="utf-8"?>
 <p:sld xmlns:a="http://schemas.openxmlformats.org/drawingml/2006/main" xmlns:r="http://schemas.openxmlformats.org/officeDocument/2006/relationships" xmlns:p="http://schemas.openxmlformats.org/presentationml/2006/main">
   <p:cSld>
     <p:spTree>
@@ -17922,28 +18120,12 @@
               </a:tabLst>
             </a:pPr>
             <a:r>
-              <a:rPr lang="en-US" sz="3600" b="1" dirty="0" err="1" smtClean="0">
-                <a:solidFill>
-                  <a:schemeClr val="bg1"/>
-                </a:solidFill>
-              </a:rPr>
-              <a:t>Var</a:t>
-            </a:r>
-            <a:r>
               <a:rPr lang="en-US" sz="3600" b="1" dirty="0" smtClean="0">
                 <a:solidFill>
                   <a:schemeClr val="bg1"/>
                 </a:solidFill>
               </a:rPr>
-              <a:t>, let and </a:t>
-            </a:r>
-            <a:r>
-              <a:rPr lang="en-US" sz="3600" b="1" dirty="0" err="1" smtClean="0">
-                <a:solidFill>
-                  <a:schemeClr val="bg1"/>
-                </a:solidFill>
-              </a:rPr>
-              <a:t>const</a:t>
+              <a:t>&lt;SCRIPT&gt;</a:t>
             </a:r>
             <a:endParaRPr lang="en-US" sz="3600" b="1" dirty="0">
               <a:solidFill>
@@ -17968,7 +18150,7 @@
         <p:spPr>
           <a:xfrm>
             <a:off x="806012" y="1783860"/>
-            <a:ext cx="10579975" cy="2954655"/>
+            <a:ext cx="10579975" cy="4431983"/>
           </a:xfrm>
           <a:prstGeom prst="rect">
             <a:avLst/>
@@ -17987,54 +18169,134 @@
           <a:lstStyle/>
           <a:p>
             <a:r>
-              <a:rPr lang="en-US" sz="2400" b="1" dirty="0" err="1" smtClean="0"/>
-              <a:t>Var</a:t>
-            </a:r>
-            <a:r>
-              <a:rPr lang="en-US" sz="2400" b="1" dirty="0" smtClean="0"/>
-              <a:t>:</a:t>
-            </a:r>
-          </a:p>
-          <a:p>
-            <a:r>
-              <a:rPr lang="en-US" sz="2400" dirty="0" smtClean="0"/>
-              <a:t>Function scope, can be changed</a:t>
-            </a:r>
-          </a:p>
-          <a:p>
-            <a:endParaRPr lang="en-US" sz="2400" dirty="0"/>
-          </a:p>
-          <a:p>
-            <a:r>
-              <a:rPr lang="en-US" sz="2400" b="1" dirty="0" smtClean="0"/>
-              <a:t>Let:</a:t>
-            </a:r>
-          </a:p>
-          <a:p>
-            <a:r>
-              <a:rPr lang="en-US" sz="2400" dirty="0" smtClean="0"/>
-              <a:t>Block Scope, can be changed</a:t>
-            </a:r>
-          </a:p>
-          <a:p>
-            <a:endParaRPr lang="en-US" sz="2400" dirty="0"/>
-          </a:p>
-          <a:p>
-            <a:r>
-              <a:rPr lang="en-US" sz="2400" b="1" dirty="0" err="1" smtClean="0"/>
-              <a:t>Const</a:t>
-            </a:r>
-            <a:r>
-              <a:rPr lang="en-US" sz="2400" b="1" dirty="0" smtClean="0"/>
-              <a:t>:</a:t>
-            </a:r>
-          </a:p>
-          <a:p>
-            <a:r>
-              <a:rPr lang="en-US" sz="2400" dirty="0" smtClean="0"/>
-              <a:t>Block scope, cannot be changed</a:t>
-            </a:r>
-            <a:endParaRPr lang="en-US" sz="2400" dirty="0"/>
+              <a:rPr lang="en-US" dirty="0" smtClean="0"/>
+              <a:t>Where do we write </a:t>
+            </a:r>
+            <a:r>
+              <a:rPr lang="en-US" dirty="0" err="1" smtClean="0"/>
+              <a:t>Javascript</a:t>
+            </a:r>
+            <a:r>
+              <a:rPr lang="en-US" dirty="0" smtClean="0"/>
+              <a:t> code in HTML?</a:t>
+            </a:r>
+          </a:p>
+          <a:p>
+            <a:endParaRPr lang="en-US" dirty="0" smtClean="0"/>
+          </a:p>
+          <a:p>
+            <a:r>
+              <a:rPr lang="en-US" b="1" dirty="0" smtClean="0"/>
+              <a:t>Code inside &lt;script&gt; Tag</a:t>
+            </a:r>
+            <a:endParaRPr lang="en-US" b="1" dirty="0"/>
+          </a:p>
+          <a:p>
+            <a:r>
+              <a:rPr lang="en-US" dirty="0" smtClean="0"/>
+              <a:t>&lt;</a:t>
+            </a:r>
+            <a:r>
+              <a:rPr lang="en-US" dirty="0"/>
+              <a:t>script&gt;</a:t>
+            </a:r>
+            <a:br>
+              <a:rPr lang="en-US" dirty="0"/>
+            </a:br>
+            <a:r>
+              <a:rPr lang="en-US" dirty="0" err="1"/>
+              <a:t>document.getElementById</a:t>
+            </a:r>
+            <a:r>
+              <a:rPr lang="en-US" dirty="0"/>
+              <a:t>("demo").</a:t>
+            </a:r>
+            <a:r>
+              <a:rPr lang="en-US" dirty="0" err="1"/>
+              <a:t>innerHTML</a:t>
+            </a:r>
+            <a:r>
+              <a:rPr lang="en-US" dirty="0"/>
+              <a:t> = "My First JavaScript";</a:t>
+            </a:r>
+            <a:br>
+              <a:rPr lang="en-US" dirty="0"/>
+            </a:br>
+            <a:r>
+              <a:rPr lang="en-US" dirty="0"/>
+              <a:t>&lt;/script</a:t>
+            </a:r>
+            <a:r>
+              <a:rPr lang="en-US" dirty="0" smtClean="0"/>
+              <a:t>&gt;</a:t>
+            </a:r>
+          </a:p>
+          <a:p>
+            <a:endParaRPr lang="en-US" i="1" dirty="0" smtClean="0"/>
+          </a:p>
+          <a:p>
+            <a:r>
+              <a:rPr lang="en-US" b="1" dirty="0" smtClean="0"/>
+              <a:t>External JS File</a:t>
+            </a:r>
+            <a:endParaRPr lang="en-US" b="1" dirty="0"/>
+          </a:p>
+          <a:p>
+            <a:r>
+              <a:rPr lang="en-US" dirty="0"/>
+              <a:t>&lt;script </a:t>
+            </a:r>
+            <a:r>
+              <a:rPr lang="en-US" dirty="0" err="1"/>
+              <a:t>src</a:t>
+            </a:r>
+            <a:r>
+              <a:rPr lang="en-US" dirty="0"/>
+              <a:t>="myScript.js"&gt;&lt;/script&gt;</a:t>
+            </a:r>
+            <a:endParaRPr lang="en-US" i="1" dirty="0"/>
+          </a:p>
+          <a:p>
+            <a:endParaRPr lang="en-US" i="1" dirty="0" smtClean="0"/>
+          </a:p>
+          <a:p>
+            <a:pPr marL="285750" indent="-285750">
+              <a:buFont typeface="Arial" panose="020B0604020202020204" pitchFamily="34" charset="0"/>
+              <a:buChar char="•"/>
+            </a:pPr>
+            <a:r>
+              <a:rPr lang="en-US" dirty="0"/>
+              <a:t>It separates HTML and code</a:t>
+            </a:r>
+          </a:p>
+          <a:p>
+            <a:pPr marL="285750" indent="-285750">
+              <a:buFont typeface="Arial" panose="020B0604020202020204" pitchFamily="34" charset="0"/>
+              <a:buChar char="•"/>
+            </a:pPr>
+            <a:r>
+              <a:rPr lang="en-US" dirty="0"/>
+              <a:t>It makes HTML and JavaScript easier to read and maintain</a:t>
+            </a:r>
+          </a:p>
+          <a:p>
+            <a:pPr marL="285750" indent="-285750">
+              <a:buFont typeface="Arial" panose="020B0604020202020204" pitchFamily="34" charset="0"/>
+              <a:buChar char="•"/>
+            </a:pPr>
+            <a:r>
+              <a:rPr lang="en-US" dirty="0"/>
+              <a:t>Cached JavaScript files can speed up page loads</a:t>
+            </a:r>
+          </a:p>
+          <a:p>
+            <a:endParaRPr lang="en-US" i="1" dirty="0"/>
+          </a:p>
+          <a:p>
+            <a:endParaRPr lang="en-US" i="1" dirty="0" smtClean="0"/>
+          </a:p>
+          <a:p>
+            <a:endParaRPr lang="en-US" i="1" dirty="0"/>
           </a:p>
         </p:txBody>
       </p:sp>
@@ -18055,7 +18317,7 @@
           <a:p>
             <a:fld id="{A428E537-E56B-49CA-B596-52598082FBE8}" type="slidenum">
               <a:rPr lang="en-US" smtClean="0"/>
-              <a:t>6</a:t>
+              <a:t>4</a:t>
             </a:fld>
             <a:endParaRPr lang="en-US" dirty="0"/>
           </a:p>
@@ -18064,7 +18326,7 @@
     </p:spTree>
     <p:extLst>
       <p:ext uri="{BB962C8B-B14F-4D97-AF65-F5344CB8AC3E}">
-        <p14:creationId xmlns:p14="http://schemas.microsoft.com/office/powerpoint/2010/main" val="1510283452"/>
+        <p14:creationId xmlns:p14="http://schemas.microsoft.com/office/powerpoint/2010/main" val="116273517"/>
       </p:ext>
     </p:extLst>
   </p:cSld>
@@ -18081,7 +18343,7 @@
 </p:sld>
 </file>
 
-<file path=ppt/slides/slide7.xml><?xml version="1.0" encoding="utf-8"?>
+<file path=ppt/slides/slide5.xml><?xml version="1.0" encoding="utf-8"?>
 <p:sld xmlns:a="http://schemas.openxmlformats.org/drawingml/2006/main" xmlns:r="http://schemas.openxmlformats.org/officeDocument/2006/relationships" xmlns:p="http://schemas.openxmlformats.org/presentationml/2006/main">
   <p:cSld>
     <p:spTree>
@@ -18322,12 +18584,20 @@
               </a:tabLst>
             </a:pPr>
             <a:r>
+              <a:rPr lang="en-US" sz="3600" b="1" dirty="0" err="1" smtClean="0">
+                <a:solidFill>
+                  <a:schemeClr val="bg1"/>
+                </a:solidFill>
+              </a:rPr>
+              <a:t>Document.write</a:t>
+            </a:r>
+            <a:r>
               <a:rPr lang="en-US" sz="3600" b="1" dirty="0" smtClean="0">
                 <a:solidFill>
                   <a:schemeClr val="bg1"/>
                 </a:solidFill>
               </a:rPr>
-              <a:t>Comment</a:t>
+              <a:t>, alert, console.log</a:t>
             </a:r>
             <a:endParaRPr lang="en-US" sz="3600" b="1" dirty="0">
               <a:solidFill>
@@ -18352,7 +18622,7 @@
         <p:spPr>
           <a:xfrm>
             <a:off x="806012" y="1783860"/>
-            <a:ext cx="10579975" cy="3693319"/>
+            <a:ext cx="10579975" cy="3046988"/>
           </a:xfrm>
           <a:prstGeom prst="rect">
             <a:avLst/>
@@ -18371,56 +18641,59 @@
           <a:lstStyle/>
           <a:p>
             <a:r>
-              <a:rPr lang="en-US" sz="2400" b="1" dirty="0" smtClean="0"/>
-              <a:t>Single Line:</a:t>
-            </a:r>
-          </a:p>
-          <a:p>
-            <a:endParaRPr lang="en-US" sz="2400" dirty="0"/>
-          </a:p>
-          <a:p>
-            <a:r>
-              <a:rPr lang="en-US" sz="2400" dirty="0" smtClean="0"/>
-              <a:t>//single line comment</a:t>
-            </a:r>
-          </a:p>
-          <a:p>
-            <a:endParaRPr lang="en-US" sz="2400" dirty="0"/>
-          </a:p>
-          <a:p>
-            <a:r>
-              <a:rPr lang="en-US" sz="2400" b="1" dirty="0" smtClean="0"/>
-              <a:t>Multiline:</a:t>
-            </a:r>
-          </a:p>
-          <a:p>
-            <a:endParaRPr lang="en-US" sz="2400" dirty="0"/>
-          </a:p>
-          <a:p>
-            <a:r>
-              <a:rPr lang="en-US" sz="2400" dirty="0" smtClean="0"/>
-              <a:t>/*</a:t>
-            </a:r>
-          </a:p>
-          <a:p>
-            <a:r>
-              <a:rPr lang="en-US" sz="2400" dirty="0" smtClean="0"/>
-              <a:t>This is a multiline </a:t>
-            </a:r>
-            <a:endParaRPr lang="en-US" sz="2400" dirty="0"/>
-          </a:p>
-          <a:p>
-            <a:r>
-              <a:rPr lang="en-US" sz="2400" dirty="0" smtClean="0"/>
-              <a:t>comment</a:t>
-            </a:r>
-          </a:p>
-          <a:p>
-            <a:r>
-              <a:rPr lang="en-US" sz="2400" dirty="0" smtClean="0"/>
-              <a:t>*/</a:t>
-            </a:r>
-            <a:endParaRPr lang="en-US" sz="2400" dirty="0"/>
+              <a:rPr lang="en-US" b="1" dirty="0" err="1" smtClean="0"/>
+              <a:t>Document.write</a:t>
+            </a:r>
+            <a:r>
+              <a:rPr lang="en-US" b="1" dirty="0" smtClean="0"/>
+              <a:t> </a:t>
+            </a:r>
+          </a:p>
+          <a:p>
+            <a:endParaRPr lang="en-US" dirty="0"/>
+          </a:p>
+          <a:p>
+            <a:r>
+              <a:rPr lang="en-US" dirty="0" smtClean="0"/>
+              <a:t>Writes the data in the HTML</a:t>
+            </a:r>
+          </a:p>
+          <a:p>
+            <a:endParaRPr lang="en-US" dirty="0"/>
+          </a:p>
+          <a:p>
+            <a:r>
+              <a:rPr lang="en-US" b="1" dirty="0" smtClean="0"/>
+              <a:t>Console.log</a:t>
+            </a:r>
+          </a:p>
+          <a:p>
+            <a:endParaRPr lang="en-US" dirty="0"/>
+          </a:p>
+          <a:p>
+            <a:r>
+              <a:rPr lang="en-US" dirty="0" smtClean="0"/>
+              <a:t>Prints data in the console</a:t>
+            </a:r>
+          </a:p>
+          <a:p>
+            <a:endParaRPr lang="en-US" dirty="0"/>
+          </a:p>
+          <a:p>
+            <a:r>
+              <a:rPr lang="en-US" b="1" dirty="0" smtClean="0"/>
+              <a:t>Alert</a:t>
+            </a:r>
+          </a:p>
+          <a:p>
+            <a:endParaRPr lang="en-US" b="1" dirty="0" smtClean="0"/>
+          </a:p>
+          <a:p>
+            <a:r>
+              <a:rPr lang="en-US" dirty="0" smtClean="0"/>
+              <a:t>Pops an alert box in the HTML file</a:t>
+            </a:r>
+            <a:endParaRPr lang="en-US" dirty="0"/>
           </a:p>
         </p:txBody>
       </p:sp>
@@ -18441,7 +18714,7 @@
           <a:p>
             <a:fld id="{A428E537-E56B-49CA-B596-52598082FBE8}" type="slidenum">
               <a:rPr lang="en-US" smtClean="0"/>
-              <a:t>7</a:t>
+              <a:t>5</a:t>
             </a:fld>
             <a:endParaRPr lang="en-US" dirty="0"/>
           </a:p>
@@ -18450,7 +18723,7 @@
     </p:spTree>
     <p:extLst>
       <p:ext uri="{BB962C8B-B14F-4D97-AF65-F5344CB8AC3E}">
-        <p14:creationId xmlns:p14="http://schemas.microsoft.com/office/powerpoint/2010/main" val="3883145557"/>
+        <p14:creationId xmlns:p14="http://schemas.microsoft.com/office/powerpoint/2010/main" val="1712229175"/>
       </p:ext>
     </p:extLst>
   </p:cSld>
@@ -18467,7 +18740,7 @@
 </p:sld>
 </file>
 
-<file path=ppt/slides/slide8.xml><?xml version="1.0" encoding="utf-8"?>
+<file path=ppt/slides/slide6.xml><?xml version="1.0" encoding="utf-8"?>
 <p:sld xmlns:a="http://schemas.openxmlformats.org/drawingml/2006/main" xmlns:r="http://schemas.openxmlformats.org/officeDocument/2006/relationships" xmlns:p="http://schemas.openxmlformats.org/presentationml/2006/main">
   <p:cSld>
     <p:spTree>
@@ -18708,12 +18981,28 @@
               </a:tabLst>
             </a:pPr>
             <a:r>
+              <a:rPr lang="en-US" sz="3600" b="1" dirty="0" err="1" smtClean="0">
+                <a:solidFill>
+                  <a:schemeClr val="bg1"/>
+                </a:solidFill>
+              </a:rPr>
+              <a:t>Var</a:t>
+            </a:r>
+            <a:r>
               <a:rPr lang="en-US" sz="3600" b="1" dirty="0" smtClean="0">
                 <a:solidFill>
                   <a:schemeClr val="bg1"/>
                 </a:solidFill>
               </a:rPr>
-              <a:t>Operators</a:t>
+              <a:t>, let and </a:t>
+            </a:r>
+            <a:r>
+              <a:rPr lang="en-US" sz="3600" b="1" dirty="0" err="1" smtClean="0">
+                <a:solidFill>
+                  <a:schemeClr val="bg1"/>
+                </a:solidFill>
+              </a:rPr>
+              <a:t>const</a:t>
             </a:r>
             <a:endParaRPr lang="en-US" sz="3600" b="1" dirty="0">
               <a:solidFill>
@@ -18738,7 +19027,7 @@
         <p:spPr>
           <a:xfrm>
             <a:off x="806012" y="1783860"/>
-            <a:ext cx="10579975" cy="4431983"/>
+            <a:ext cx="10579975" cy="2954655"/>
           </a:xfrm>
           <a:prstGeom prst="rect">
             <a:avLst/>
@@ -18757,79 +19046,52 @@
           <a:lstStyle/>
           <a:p>
             <a:r>
+              <a:rPr lang="en-US" sz="2400" b="1" dirty="0" err="1" smtClean="0"/>
+              <a:t>Var</a:t>
+            </a:r>
+            <a:r>
+              <a:rPr lang="en-US" sz="2400" b="1" dirty="0" smtClean="0"/>
+              <a:t>:</a:t>
+            </a:r>
+          </a:p>
+          <a:p>
+            <a:r>
               <a:rPr lang="en-US" sz="2400" dirty="0" smtClean="0"/>
-              <a:t>=	Assignment </a:t>
+              <a:t>Function scope, can be changed</a:t>
+            </a:r>
+          </a:p>
+          <a:p>
+            <a:endParaRPr lang="en-US" sz="2400" dirty="0"/>
+          </a:p>
+          <a:p>
+            <a:r>
+              <a:rPr lang="en-US" sz="2400" b="1" dirty="0" smtClean="0"/>
+              <a:t>Let:</a:t>
             </a:r>
           </a:p>
           <a:p>
             <a:r>
               <a:rPr lang="en-US" sz="2400" dirty="0" smtClean="0"/>
-              <a:t>+	Addition</a:t>
+              <a:t>Block Scope, can be changed</a:t>
+            </a:r>
+          </a:p>
+          <a:p>
+            <a:endParaRPr lang="en-US" sz="2400" dirty="0"/>
+          </a:p>
+          <a:p>
+            <a:r>
+              <a:rPr lang="en-US" sz="2400" b="1" dirty="0" err="1" smtClean="0"/>
+              <a:t>Const</a:t>
+            </a:r>
+            <a:r>
+              <a:rPr lang="en-US" sz="2400" b="1" dirty="0" smtClean="0"/>
+              <a:t>:</a:t>
             </a:r>
           </a:p>
           <a:p>
             <a:r>
               <a:rPr lang="en-US" sz="2400" dirty="0" smtClean="0"/>
-              <a:t>-	Subtraction</a:t>
-            </a:r>
-          </a:p>
-          <a:p>
-            <a:r>
-              <a:rPr lang="en-US" sz="2400" dirty="0" smtClean="0"/>
-              <a:t>/	Division</a:t>
-            </a:r>
-          </a:p>
-          <a:p>
-            <a:r>
-              <a:rPr lang="en-US" sz="2400" dirty="0" smtClean="0"/>
-              <a:t>*	Multiplication</a:t>
-            </a:r>
-          </a:p>
-          <a:p>
-            <a:r>
-              <a:rPr lang="en-US" sz="2400" dirty="0" smtClean="0"/>
-              <a:t>**	???</a:t>
-            </a:r>
-          </a:p>
-          <a:p>
-            <a:r>
-              <a:rPr lang="en-US" sz="2400" dirty="0" smtClean="0"/>
-              <a:t>%	Modulo</a:t>
-            </a:r>
-          </a:p>
-          <a:p>
-            <a:r>
-              <a:rPr lang="en-US" sz="2400" dirty="0" smtClean="0"/>
-              <a:t>++	</a:t>
-            </a:r>
-            <a:r>
-              <a:rPr lang="en-US" sz="2400" dirty="0" err="1" smtClean="0"/>
-              <a:t>Incremenet</a:t>
-            </a:r>
-            <a:endParaRPr lang="en-US" sz="2400" dirty="0" smtClean="0"/>
-          </a:p>
-          <a:p>
-            <a:r>
-              <a:rPr lang="en-US" sz="2400" dirty="0" smtClean="0"/>
-              <a:t>--	Decrement</a:t>
-            </a:r>
-          </a:p>
-          <a:p>
-            <a:r>
-              <a:rPr lang="en-US" sz="2400" dirty="0" smtClean="0"/>
-              <a:t>==	???</a:t>
-            </a:r>
-          </a:p>
-          <a:p>
-            <a:r>
-              <a:rPr lang="en-US" sz="2400" dirty="0" smtClean="0"/>
-              <a:t>===	???</a:t>
-            </a:r>
-          </a:p>
-          <a:p>
-            <a:r>
-              <a:rPr lang="en-US" sz="2400" dirty="0" smtClean="0"/>
-              <a:t>+=,-=,*=,/=,%=	???</a:t>
+              <a:t>Block scope, cannot be changed</a:t>
             </a:r>
             <a:endParaRPr lang="en-US" sz="2400" dirty="0"/>
           </a:p>
@@ -18837,50 +19099,7 @@
       </p:sp>
       <p:sp>
         <p:nvSpPr>
-          <p:cNvPr id="4" name="TextBox 3"/>
-          <p:cNvSpPr txBox="1"/>
-          <p:nvPr/>
-        </p:nvSpPr>
-        <p:spPr>
-          <a:xfrm>
-            <a:off x="7576457" y="2203269"/>
-            <a:ext cx="3431177" cy="923330"/>
-          </a:xfrm>
-          <a:prstGeom prst="rect">
-            <a:avLst/>
-          </a:prstGeom>
-          <a:noFill/>
-        </p:spPr>
-        <p:txBody>
-          <a:bodyPr wrap="square" rtlCol="0">
-            <a:spAutoFit/>
-          </a:bodyPr>
-          <a:lstStyle/>
-          <a:p>
-            <a:r>
-              <a:rPr lang="en-US" dirty="0" smtClean="0"/>
-              <a:t>&amp;&amp;	???</a:t>
-            </a:r>
-          </a:p>
-          <a:p>
-            <a:r>
-              <a:rPr lang="en-US" dirty="0" smtClean="0"/>
-              <a:t>	</a:t>
-            </a:r>
-            <a:endParaRPr lang="en-US" dirty="0"/>
-          </a:p>
-          <a:p>
-            <a:r>
-              <a:rPr lang="en-US" dirty="0" smtClean="0"/>
-              <a:t>||	???</a:t>
-            </a:r>
-            <a:endParaRPr lang="en-US" dirty="0"/>
-          </a:p>
-        </p:txBody>
-      </p:sp>
-      <p:sp>
-        <p:nvSpPr>
-          <p:cNvPr id="6" name="Slide Number Placeholder 5"/>
+          <p:cNvPr id="5" name="Slide Number Placeholder 4"/>
           <p:cNvSpPr>
             <a:spLocks noGrp="1"/>
           </p:cNvSpPr>
@@ -18895,7 +19114,7 @@
           <a:p>
             <a:fld id="{A428E537-E56B-49CA-B596-52598082FBE8}" type="slidenum">
               <a:rPr lang="en-US" smtClean="0"/>
-              <a:t>8</a:t>
+              <a:t>6</a:t>
             </a:fld>
             <a:endParaRPr lang="en-US" dirty="0"/>
           </a:p>
@@ -18904,7 +19123,7 @@
     </p:spTree>
     <p:extLst>
       <p:ext uri="{BB962C8B-B14F-4D97-AF65-F5344CB8AC3E}">
-        <p14:creationId xmlns:p14="http://schemas.microsoft.com/office/powerpoint/2010/main" val="3713553554"/>
+        <p14:creationId xmlns:p14="http://schemas.microsoft.com/office/powerpoint/2010/main" val="1510283452"/>
       </p:ext>
     </p:extLst>
   </p:cSld>
@@ -18921,7 +19140,7 @@
 </p:sld>
 </file>
 
-<file path=ppt/slides/slide9.xml><?xml version="1.0" encoding="utf-8"?>
+<file path=ppt/slides/slide7.xml><?xml version="1.0" encoding="utf-8"?>
 <p:sld xmlns:a="http://schemas.openxmlformats.org/drawingml/2006/main" xmlns:r="http://schemas.openxmlformats.org/officeDocument/2006/relationships" xmlns:p="http://schemas.openxmlformats.org/presentationml/2006/main">
   <p:cSld>
     <p:spTree>
@@ -19167,7 +19386,393 @@
                   <a:schemeClr val="bg1"/>
                 </a:solidFill>
               </a:rPr>
-              <a:t>Data Types</a:t>
+              <a:t>Comment</a:t>
+            </a:r>
+            <a:endParaRPr lang="en-US" sz="3600" b="1" dirty="0">
+              <a:solidFill>
+                <a:schemeClr val="bg1"/>
+              </a:solidFill>
+            </a:endParaRPr>
+          </a:p>
+        </p:txBody>
+      </p:sp>
+      <p:sp>
+        <p:nvSpPr>
+          <p:cNvPr id="20" name="TextBox 19">
+            <a:extLst>
+              <a:ext uri="{FF2B5EF4-FFF2-40B4-BE49-F238E27FC236}">
+                <a16:creationId xmlns:a16="http://schemas.microsoft.com/office/drawing/2014/main" id="{231E4B19-2C3A-884A-919A-326B2A2F1BA8}"/>
+              </a:ext>
+            </a:extLst>
+          </p:cNvPr>
+          <p:cNvSpPr txBox="1"/>
+          <p:nvPr/>
+        </p:nvSpPr>
+        <p:spPr>
+          <a:xfrm>
+            <a:off x="806012" y="1783860"/>
+            <a:ext cx="10579975" cy="3693319"/>
+          </a:xfrm>
+          <a:prstGeom prst="rect">
+            <a:avLst/>
+          </a:prstGeom>
+          <a:noFill/>
+          <a:ln>
+            <a:solidFill>
+              <a:schemeClr val="accent1"/>
+            </a:solidFill>
+          </a:ln>
+        </p:spPr>
+        <p:txBody>
+          <a:bodyPr wrap="square" lIns="0" tIns="0" rIns="0" bIns="0" rtlCol="0">
+            <a:spAutoFit/>
+          </a:bodyPr>
+          <a:lstStyle/>
+          <a:p>
+            <a:r>
+              <a:rPr lang="en-US" sz="2400" b="1" dirty="0" smtClean="0"/>
+              <a:t>Single Line:</a:t>
+            </a:r>
+          </a:p>
+          <a:p>
+            <a:endParaRPr lang="en-US" sz="2400" dirty="0"/>
+          </a:p>
+          <a:p>
+            <a:r>
+              <a:rPr lang="en-US" sz="2400" dirty="0" smtClean="0"/>
+              <a:t>//single line comment</a:t>
+            </a:r>
+          </a:p>
+          <a:p>
+            <a:endParaRPr lang="en-US" sz="2400" dirty="0"/>
+          </a:p>
+          <a:p>
+            <a:r>
+              <a:rPr lang="en-US" sz="2400" b="1" dirty="0" smtClean="0"/>
+              <a:t>Multiline:</a:t>
+            </a:r>
+          </a:p>
+          <a:p>
+            <a:endParaRPr lang="en-US" sz="2400" dirty="0"/>
+          </a:p>
+          <a:p>
+            <a:r>
+              <a:rPr lang="en-US" sz="2400" dirty="0" smtClean="0"/>
+              <a:t>/*</a:t>
+            </a:r>
+          </a:p>
+          <a:p>
+            <a:r>
+              <a:rPr lang="en-US" sz="2400" dirty="0" smtClean="0"/>
+              <a:t>This is a multiline </a:t>
+            </a:r>
+            <a:endParaRPr lang="en-US" sz="2400" dirty="0"/>
+          </a:p>
+          <a:p>
+            <a:r>
+              <a:rPr lang="en-US" sz="2400" dirty="0" smtClean="0"/>
+              <a:t>comment</a:t>
+            </a:r>
+          </a:p>
+          <a:p>
+            <a:r>
+              <a:rPr lang="en-US" sz="2400" dirty="0" smtClean="0"/>
+              <a:t>*/</a:t>
+            </a:r>
+            <a:endParaRPr lang="en-US" sz="2400" dirty="0"/>
+          </a:p>
+        </p:txBody>
+      </p:sp>
+      <p:sp>
+        <p:nvSpPr>
+          <p:cNvPr id="5" name="Slide Number Placeholder 4"/>
+          <p:cNvSpPr>
+            <a:spLocks noGrp="1"/>
+          </p:cNvSpPr>
+          <p:nvPr>
+            <p:ph type="sldNum" sz="quarter" idx="12"/>
+          </p:nvPr>
+        </p:nvSpPr>
+        <p:spPr/>
+        <p:txBody>
+          <a:bodyPr/>
+          <a:lstStyle/>
+          <a:p>
+            <a:fld id="{A428E537-E56B-49CA-B596-52598082FBE8}" type="slidenum">
+              <a:rPr lang="en-US" smtClean="0"/>
+              <a:t>7</a:t>
+            </a:fld>
+            <a:endParaRPr lang="en-US" dirty="0"/>
+          </a:p>
+        </p:txBody>
+      </p:sp>
+    </p:spTree>
+    <p:extLst>
+      <p:ext uri="{BB962C8B-B14F-4D97-AF65-F5344CB8AC3E}">
+        <p14:creationId xmlns:p14="http://schemas.microsoft.com/office/powerpoint/2010/main" val="3883145557"/>
+      </p:ext>
+    </p:extLst>
+  </p:cSld>
+  <p:clrMapOvr>
+    <a:masterClrMapping/>
+  </p:clrMapOvr>
+  <p:timing>
+    <p:tnLst>
+      <p:par>
+        <p:cTn id="1" dur="indefinite" restart="never" nodeType="tmRoot"/>
+      </p:par>
+    </p:tnLst>
+  </p:timing>
+</p:sld>
+</file>
+
+<file path=ppt/slides/slide8.xml><?xml version="1.0" encoding="utf-8"?>
+<p:sld xmlns:a="http://schemas.openxmlformats.org/drawingml/2006/main" xmlns:r="http://schemas.openxmlformats.org/officeDocument/2006/relationships" xmlns:p="http://schemas.openxmlformats.org/presentationml/2006/main">
+  <p:cSld>
+    <p:spTree>
+      <p:nvGrpSpPr>
+        <p:cNvPr id="1" name=""/>
+        <p:cNvGrpSpPr/>
+        <p:nvPr/>
+      </p:nvGrpSpPr>
+      <p:grpSpPr>
+        <a:xfrm>
+          <a:off x="0" y="0"/>
+          <a:ext cx="0" cy="0"/>
+          <a:chOff x="0" y="0"/>
+          <a:chExt cx="0" cy="0"/>
+        </a:xfrm>
+      </p:grpSpPr>
+      <p:sp>
+        <p:nvSpPr>
+          <p:cNvPr id="104" name="TextBox 103"/>
+          <p:cNvSpPr txBox="1"/>
+          <p:nvPr/>
+        </p:nvSpPr>
+        <p:spPr>
+          <a:xfrm>
+            <a:off x="11907454" y="6481180"/>
+            <a:ext cx="341760" cy="307777"/>
+          </a:xfrm>
+          <a:prstGeom prst="rect">
+            <a:avLst/>
+          </a:prstGeom>
+          <a:noFill/>
+        </p:spPr>
+        <p:txBody>
+          <a:bodyPr wrap="none" rtlCol="0">
+            <a:spAutoFit/>
+          </a:bodyPr>
+          <a:lstStyle/>
+          <a:p>
+            <a:r>
+              <a:rPr lang="en-US" sz="1400" b="1" dirty="0" smtClean="0">
+                <a:solidFill>
+                  <a:schemeClr val="bg1"/>
+                </a:solidFill>
+              </a:rPr>
+              <a:t>15</a:t>
+            </a:r>
+            <a:endParaRPr lang="en-US" sz="1400" b="1" dirty="0">
+              <a:solidFill>
+                <a:schemeClr val="bg1"/>
+              </a:solidFill>
+            </a:endParaRPr>
+          </a:p>
+        </p:txBody>
+      </p:sp>
+      <p:pic>
+        <p:nvPicPr>
+          <p:cNvPr id="49" name="Picture 48" descr="This is a logo that reads &quot;24Slides.&quot;">
+            <a:hlinkClick r:id="rId2"/>
+            <a:extLst>
+              <a:ext uri="{FF2B5EF4-FFF2-40B4-BE49-F238E27FC236}">
+                <a16:creationId xmlns:a16="http://schemas.microsoft.com/office/drawing/2014/main" id="{4252D655-5F2C-F447-B537-8C72930D0F51}"/>
+              </a:ext>
+            </a:extLst>
+          </p:cNvPr>
+          <p:cNvPicPr>
+            <a:picLocks noChangeAspect="1"/>
+          </p:cNvPicPr>
+          <p:nvPr/>
+        </p:nvPicPr>
+        <p:blipFill>
+          <a:blip r:embed="rId3"/>
+          <a:stretch>
+            <a:fillRect/>
+          </a:stretch>
+        </p:blipFill>
+        <p:spPr>
+          <a:xfrm>
+            <a:off x="463550" y="6209088"/>
+            <a:ext cx="1028700" cy="293902"/>
+          </a:xfrm>
+          <a:prstGeom prst="rect">
+            <a:avLst/>
+          </a:prstGeom>
+          <a:effectLst/>
+        </p:spPr>
+      </p:pic>
+      <p:sp>
+        <p:nvSpPr>
+          <p:cNvPr id="2" name="Title 1" hidden="1">
+            <a:extLst>
+              <a:ext uri="{FF2B5EF4-FFF2-40B4-BE49-F238E27FC236}">
+                <a16:creationId xmlns:a16="http://schemas.microsoft.com/office/drawing/2014/main" id="{9197F7D1-3F80-4C57-BE5E-6B2971CB1586}"/>
+              </a:ext>
+            </a:extLst>
+          </p:cNvPr>
+          <p:cNvSpPr>
+            <a:spLocks noGrp="1"/>
+          </p:cNvSpPr>
+          <p:nvPr>
+            <p:ph type="title"/>
+          </p:nvPr>
+        </p:nvSpPr>
+        <p:spPr/>
+        <p:txBody>
+          <a:bodyPr/>
+          <a:lstStyle/>
+          <a:p>
+            <a:r>
+              <a:rPr lang="en-US" dirty="0"/>
+              <a:t>Slide 12</a:t>
+            </a:r>
+          </a:p>
+        </p:txBody>
+      </p:sp>
+      <p:grpSp>
+        <p:nvGrpSpPr>
+          <p:cNvPr id="11" name="Group 10"/>
+          <p:cNvGrpSpPr/>
+          <p:nvPr/>
+        </p:nvGrpSpPr>
+        <p:grpSpPr>
+          <a:xfrm>
+            <a:off x="0" y="6026426"/>
+            <a:ext cx="3393881" cy="1008396"/>
+            <a:chOff x="9172284" y="5422460"/>
+            <a:chExt cx="3393881" cy="1008396"/>
+          </a:xfrm>
+        </p:grpSpPr>
+        <p:pic>
+          <p:nvPicPr>
+            <p:cNvPr id="12" name="Picture 11"/>
+            <p:cNvPicPr>
+              <a:picLocks noChangeAspect="1"/>
+            </p:cNvPicPr>
+            <p:nvPr/>
+          </p:nvPicPr>
+          <p:blipFill>
+            <a:blip r:embed="rId4" cstate="print">
+              <a:extLst>
+                <a:ext uri="{28A0092B-C50C-407E-A947-70E740481C1C}">
+                  <a14:useLocalDpi xmlns:a14="http://schemas.microsoft.com/office/drawing/2010/main" val="0"/>
+                </a:ext>
+              </a:extLst>
+            </a:blip>
+            <a:stretch>
+              <a:fillRect/>
+            </a:stretch>
+          </p:blipFill>
+          <p:spPr>
+            <a:xfrm>
+              <a:off x="9172284" y="5422460"/>
+              <a:ext cx="738894" cy="738894"/>
+            </a:xfrm>
+            <a:prstGeom prst="rect">
+              <a:avLst/>
+            </a:prstGeom>
+          </p:spPr>
+        </p:pic>
+        <p:sp>
+          <p:nvSpPr>
+            <p:cNvPr id="13" name="TextBox 12"/>
+            <p:cNvSpPr txBox="1"/>
+            <p:nvPr/>
+          </p:nvSpPr>
+          <p:spPr>
+            <a:xfrm>
+              <a:off x="9727715" y="5599859"/>
+              <a:ext cx="2838450" cy="830997"/>
+            </a:xfrm>
+            <a:prstGeom prst="rect">
+              <a:avLst/>
+            </a:prstGeom>
+            <a:noFill/>
+          </p:spPr>
+          <p:txBody>
+            <a:bodyPr wrap="square" rtlCol="0">
+              <a:spAutoFit/>
+            </a:bodyPr>
+            <a:lstStyle/>
+            <a:p>
+              <a:r>
+                <a:rPr lang="en-US" sz="4800" b="1" dirty="0" smtClean="0">
+                  <a:solidFill>
+                    <a:srgbClr val="005588"/>
+                  </a:solidFill>
+                  <a:latin typeface="Javanese Text" panose="02000000000000000000" pitchFamily="2" charset="0"/>
+                </a:rPr>
+                <a:t>Train</a:t>
+              </a:r>
+              <a:endParaRPr lang="en-US" sz="4800" b="1" dirty="0">
+                <a:solidFill>
+                  <a:srgbClr val="005588"/>
+                </a:solidFill>
+                <a:latin typeface="Javanese Text" panose="02000000000000000000" pitchFamily="2" charset="0"/>
+              </a:endParaRPr>
+            </a:p>
+          </p:txBody>
+        </p:sp>
+      </p:grpSp>
+      <p:sp>
+        <p:nvSpPr>
+          <p:cNvPr id="3" name="Rounded Rectangle 2"/>
+          <p:cNvSpPr/>
+          <p:nvPr/>
+        </p:nvSpPr>
+        <p:spPr>
+          <a:xfrm>
+            <a:off x="0" y="1"/>
+            <a:ext cx="12192000" cy="1333500"/>
+          </a:xfrm>
+          <a:prstGeom prst="roundRect">
+            <a:avLst/>
+          </a:prstGeom>
+        </p:spPr>
+        <p:style>
+          <a:lnRef idx="2">
+            <a:schemeClr val="accent1">
+              <a:shade val="50000"/>
+            </a:schemeClr>
+          </a:lnRef>
+          <a:fillRef idx="1">
+            <a:schemeClr val="accent1"/>
+          </a:fillRef>
+          <a:effectRef idx="0">
+            <a:schemeClr val="accent1"/>
+          </a:effectRef>
+          <a:fontRef idx="minor">
+            <a:schemeClr val="lt1"/>
+          </a:fontRef>
+        </p:style>
+        <p:txBody>
+          <a:bodyPr rtlCol="0" anchor="ctr"/>
+          <a:lstStyle/>
+          <a:p>
+            <a:pPr algn="ctr">
+              <a:tabLst>
+                <a:tab pos="347663" algn="l"/>
+              </a:tabLst>
+            </a:pPr>
+            <a:r>
+              <a:rPr lang="en-US" sz="3600" b="1" dirty="0" smtClean="0">
+                <a:solidFill>
+                  <a:schemeClr val="bg1"/>
+                </a:solidFill>
+              </a:rPr>
+              <a:t>Operators</a:t>
             </a:r>
             <a:endParaRPr lang="en-US" sz="3600" b="1" dirty="0">
               <a:solidFill>
@@ -19210,6 +19815,460 @@
           </a:bodyPr>
           <a:lstStyle/>
           <a:p>
+            <a:r>
+              <a:rPr lang="en-US" sz="2400" dirty="0" smtClean="0"/>
+              <a:t>=	Assignment </a:t>
+            </a:r>
+          </a:p>
+          <a:p>
+            <a:r>
+              <a:rPr lang="en-US" sz="2400" dirty="0" smtClean="0"/>
+              <a:t>+	Addition</a:t>
+            </a:r>
+          </a:p>
+          <a:p>
+            <a:r>
+              <a:rPr lang="en-US" sz="2400" dirty="0" smtClean="0"/>
+              <a:t>-	Subtraction</a:t>
+            </a:r>
+          </a:p>
+          <a:p>
+            <a:r>
+              <a:rPr lang="en-US" sz="2400" dirty="0" smtClean="0"/>
+              <a:t>/	Division</a:t>
+            </a:r>
+          </a:p>
+          <a:p>
+            <a:r>
+              <a:rPr lang="en-US" sz="2400" dirty="0" smtClean="0"/>
+              <a:t>*	Multiplication</a:t>
+            </a:r>
+          </a:p>
+          <a:p>
+            <a:r>
+              <a:rPr lang="en-US" sz="2400" dirty="0" smtClean="0"/>
+              <a:t>**	???</a:t>
+            </a:r>
+          </a:p>
+          <a:p>
+            <a:r>
+              <a:rPr lang="en-US" sz="2400" dirty="0" smtClean="0"/>
+              <a:t>%	Modulo</a:t>
+            </a:r>
+          </a:p>
+          <a:p>
+            <a:r>
+              <a:rPr lang="en-US" sz="2400" dirty="0" smtClean="0"/>
+              <a:t>++	</a:t>
+            </a:r>
+            <a:r>
+              <a:rPr lang="en-US" sz="2400" dirty="0" err="1" smtClean="0"/>
+              <a:t>Incremenet</a:t>
+            </a:r>
+            <a:endParaRPr lang="en-US" sz="2400" dirty="0" smtClean="0"/>
+          </a:p>
+          <a:p>
+            <a:r>
+              <a:rPr lang="en-US" sz="2400" dirty="0" smtClean="0"/>
+              <a:t>--	Decrement</a:t>
+            </a:r>
+          </a:p>
+          <a:p>
+            <a:r>
+              <a:rPr lang="en-US" sz="2400" dirty="0" smtClean="0"/>
+              <a:t>==	???</a:t>
+            </a:r>
+          </a:p>
+          <a:p>
+            <a:r>
+              <a:rPr lang="en-US" sz="2400" dirty="0" smtClean="0"/>
+              <a:t>===	???</a:t>
+            </a:r>
+          </a:p>
+          <a:p>
+            <a:r>
+              <a:rPr lang="en-US" sz="2400" dirty="0" smtClean="0"/>
+              <a:t>+=,-=,*=,/=,%=	???</a:t>
+            </a:r>
+            <a:endParaRPr lang="en-US" sz="2400" dirty="0"/>
+          </a:p>
+        </p:txBody>
+      </p:sp>
+      <p:sp>
+        <p:nvSpPr>
+          <p:cNvPr id="4" name="TextBox 3"/>
+          <p:cNvSpPr txBox="1"/>
+          <p:nvPr/>
+        </p:nvSpPr>
+        <p:spPr>
+          <a:xfrm>
+            <a:off x="7576457" y="2203269"/>
+            <a:ext cx="3431177" cy="923330"/>
+          </a:xfrm>
+          <a:prstGeom prst="rect">
+            <a:avLst/>
+          </a:prstGeom>
+          <a:noFill/>
+        </p:spPr>
+        <p:txBody>
+          <a:bodyPr wrap="square" rtlCol="0">
+            <a:spAutoFit/>
+          </a:bodyPr>
+          <a:lstStyle/>
+          <a:p>
+            <a:r>
+              <a:rPr lang="en-US" dirty="0" smtClean="0"/>
+              <a:t>&amp;&amp;	???</a:t>
+            </a:r>
+          </a:p>
+          <a:p>
+            <a:r>
+              <a:rPr lang="en-US" dirty="0" smtClean="0"/>
+              <a:t>	</a:t>
+            </a:r>
+            <a:endParaRPr lang="en-US" dirty="0"/>
+          </a:p>
+          <a:p>
+            <a:r>
+              <a:rPr lang="en-US" dirty="0" smtClean="0"/>
+              <a:t>||	???</a:t>
+            </a:r>
+            <a:endParaRPr lang="en-US" dirty="0"/>
+          </a:p>
+        </p:txBody>
+      </p:sp>
+      <p:sp>
+        <p:nvSpPr>
+          <p:cNvPr id="6" name="Slide Number Placeholder 5"/>
+          <p:cNvSpPr>
+            <a:spLocks noGrp="1"/>
+          </p:cNvSpPr>
+          <p:nvPr>
+            <p:ph type="sldNum" sz="quarter" idx="12"/>
+          </p:nvPr>
+        </p:nvSpPr>
+        <p:spPr/>
+        <p:txBody>
+          <a:bodyPr/>
+          <a:lstStyle/>
+          <a:p>
+            <a:fld id="{A428E537-E56B-49CA-B596-52598082FBE8}" type="slidenum">
+              <a:rPr lang="en-US" smtClean="0"/>
+              <a:t>8</a:t>
+            </a:fld>
+            <a:endParaRPr lang="en-US" dirty="0"/>
+          </a:p>
+        </p:txBody>
+      </p:sp>
+    </p:spTree>
+    <p:extLst>
+      <p:ext uri="{BB962C8B-B14F-4D97-AF65-F5344CB8AC3E}">
+        <p14:creationId xmlns:p14="http://schemas.microsoft.com/office/powerpoint/2010/main" val="3713553554"/>
+      </p:ext>
+    </p:extLst>
+  </p:cSld>
+  <p:clrMapOvr>
+    <a:masterClrMapping/>
+  </p:clrMapOvr>
+  <p:timing>
+    <p:tnLst>
+      <p:par>
+        <p:cTn id="1" dur="indefinite" restart="never" nodeType="tmRoot"/>
+      </p:par>
+    </p:tnLst>
+  </p:timing>
+</p:sld>
+</file>
+
+<file path=ppt/slides/slide9.xml><?xml version="1.0" encoding="utf-8"?>
+<p:sld xmlns:a="http://schemas.openxmlformats.org/drawingml/2006/main" xmlns:r="http://schemas.openxmlformats.org/officeDocument/2006/relationships" xmlns:p="http://schemas.openxmlformats.org/presentationml/2006/main">
+  <p:cSld>
+    <p:spTree>
+      <p:nvGrpSpPr>
+        <p:cNvPr id="1" name=""/>
+        <p:cNvGrpSpPr/>
+        <p:nvPr/>
+      </p:nvGrpSpPr>
+      <p:grpSpPr>
+        <a:xfrm>
+          <a:off x="0" y="0"/>
+          <a:ext cx="0" cy="0"/>
+          <a:chOff x="0" y="0"/>
+          <a:chExt cx="0" cy="0"/>
+        </a:xfrm>
+      </p:grpSpPr>
+      <p:sp>
+        <p:nvSpPr>
+          <p:cNvPr id="104" name="TextBox 103"/>
+          <p:cNvSpPr txBox="1"/>
+          <p:nvPr/>
+        </p:nvSpPr>
+        <p:spPr>
+          <a:xfrm>
+            <a:off x="11907454" y="6481180"/>
+            <a:ext cx="341760" cy="307777"/>
+          </a:xfrm>
+          <a:prstGeom prst="rect">
+            <a:avLst/>
+          </a:prstGeom>
+          <a:noFill/>
+        </p:spPr>
+        <p:txBody>
+          <a:bodyPr wrap="none" rtlCol="0">
+            <a:spAutoFit/>
+          </a:bodyPr>
+          <a:lstStyle/>
+          <a:p>
+            <a:r>
+              <a:rPr lang="en-US" sz="1400" b="1" dirty="0" smtClean="0">
+                <a:solidFill>
+                  <a:schemeClr val="bg1"/>
+                </a:solidFill>
+              </a:rPr>
+              <a:t>15</a:t>
+            </a:r>
+            <a:endParaRPr lang="en-US" sz="1400" b="1" dirty="0">
+              <a:solidFill>
+                <a:schemeClr val="bg1"/>
+              </a:solidFill>
+            </a:endParaRPr>
+          </a:p>
+        </p:txBody>
+      </p:sp>
+      <p:pic>
+        <p:nvPicPr>
+          <p:cNvPr id="49" name="Picture 48" descr="This is a logo that reads &quot;24Slides.&quot;">
+            <a:hlinkClick r:id="rId2"/>
+            <a:extLst>
+              <a:ext uri="{FF2B5EF4-FFF2-40B4-BE49-F238E27FC236}">
+                <a16:creationId xmlns:a16="http://schemas.microsoft.com/office/drawing/2014/main" id="{4252D655-5F2C-F447-B537-8C72930D0F51}"/>
+              </a:ext>
+            </a:extLst>
+          </p:cNvPr>
+          <p:cNvPicPr>
+            <a:picLocks noChangeAspect="1"/>
+          </p:cNvPicPr>
+          <p:nvPr/>
+        </p:nvPicPr>
+        <p:blipFill>
+          <a:blip r:embed="rId3"/>
+          <a:stretch>
+            <a:fillRect/>
+          </a:stretch>
+        </p:blipFill>
+        <p:spPr>
+          <a:xfrm>
+            <a:off x="463550" y="6209088"/>
+            <a:ext cx="1028700" cy="293902"/>
+          </a:xfrm>
+          <a:prstGeom prst="rect">
+            <a:avLst/>
+          </a:prstGeom>
+          <a:effectLst/>
+        </p:spPr>
+      </p:pic>
+      <p:sp>
+        <p:nvSpPr>
+          <p:cNvPr id="2" name="Title 1" hidden="1">
+            <a:extLst>
+              <a:ext uri="{FF2B5EF4-FFF2-40B4-BE49-F238E27FC236}">
+                <a16:creationId xmlns:a16="http://schemas.microsoft.com/office/drawing/2014/main" id="{9197F7D1-3F80-4C57-BE5E-6B2971CB1586}"/>
+              </a:ext>
+            </a:extLst>
+          </p:cNvPr>
+          <p:cNvSpPr>
+            <a:spLocks noGrp="1"/>
+          </p:cNvSpPr>
+          <p:nvPr>
+            <p:ph type="title"/>
+          </p:nvPr>
+        </p:nvSpPr>
+        <p:spPr/>
+        <p:txBody>
+          <a:bodyPr/>
+          <a:lstStyle/>
+          <a:p>
+            <a:r>
+              <a:rPr lang="en-US" dirty="0"/>
+              <a:t>Slide 12</a:t>
+            </a:r>
+          </a:p>
+        </p:txBody>
+      </p:sp>
+      <p:grpSp>
+        <p:nvGrpSpPr>
+          <p:cNvPr id="11" name="Group 10"/>
+          <p:cNvGrpSpPr/>
+          <p:nvPr/>
+        </p:nvGrpSpPr>
+        <p:grpSpPr>
+          <a:xfrm>
+            <a:off x="0" y="6026426"/>
+            <a:ext cx="3393881" cy="1008396"/>
+            <a:chOff x="9172284" y="5422460"/>
+            <a:chExt cx="3393881" cy="1008396"/>
+          </a:xfrm>
+        </p:grpSpPr>
+        <p:pic>
+          <p:nvPicPr>
+            <p:cNvPr id="12" name="Picture 11"/>
+            <p:cNvPicPr>
+              <a:picLocks noChangeAspect="1"/>
+            </p:cNvPicPr>
+            <p:nvPr/>
+          </p:nvPicPr>
+          <p:blipFill>
+            <a:blip r:embed="rId4" cstate="print">
+              <a:extLst>
+                <a:ext uri="{28A0092B-C50C-407E-A947-70E740481C1C}">
+                  <a14:useLocalDpi xmlns:a14="http://schemas.microsoft.com/office/drawing/2010/main" val="0"/>
+                </a:ext>
+              </a:extLst>
+            </a:blip>
+            <a:stretch>
+              <a:fillRect/>
+            </a:stretch>
+          </p:blipFill>
+          <p:spPr>
+            <a:xfrm>
+              <a:off x="9172284" y="5422460"/>
+              <a:ext cx="738894" cy="738894"/>
+            </a:xfrm>
+            <a:prstGeom prst="rect">
+              <a:avLst/>
+            </a:prstGeom>
+          </p:spPr>
+        </p:pic>
+        <p:sp>
+          <p:nvSpPr>
+            <p:cNvPr id="13" name="TextBox 12"/>
+            <p:cNvSpPr txBox="1"/>
+            <p:nvPr/>
+          </p:nvSpPr>
+          <p:spPr>
+            <a:xfrm>
+              <a:off x="9727715" y="5599859"/>
+              <a:ext cx="2838450" cy="830997"/>
+            </a:xfrm>
+            <a:prstGeom prst="rect">
+              <a:avLst/>
+            </a:prstGeom>
+            <a:noFill/>
+          </p:spPr>
+          <p:txBody>
+            <a:bodyPr wrap="square" rtlCol="0">
+              <a:spAutoFit/>
+            </a:bodyPr>
+            <a:lstStyle/>
+            <a:p>
+              <a:r>
+                <a:rPr lang="en-US" sz="4800" b="1" dirty="0" smtClean="0">
+                  <a:solidFill>
+                    <a:srgbClr val="005588"/>
+                  </a:solidFill>
+                  <a:latin typeface="Javanese Text" panose="02000000000000000000" pitchFamily="2" charset="0"/>
+                </a:rPr>
+                <a:t>Train</a:t>
+              </a:r>
+              <a:endParaRPr lang="en-US" sz="4800" b="1" dirty="0">
+                <a:solidFill>
+                  <a:srgbClr val="005588"/>
+                </a:solidFill>
+                <a:latin typeface="Javanese Text" panose="02000000000000000000" pitchFamily="2" charset="0"/>
+              </a:endParaRPr>
+            </a:p>
+          </p:txBody>
+        </p:sp>
+      </p:grpSp>
+      <p:sp>
+        <p:nvSpPr>
+          <p:cNvPr id="3" name="Rounded Rectangle 2"/>
+          <p:cNvSpPr/>
+          <p:nvPr/>
+        </p:nvSpPr>
+        <p:spPr>
+          <a:xfrm>
+            <a:off x="0" y="1"/>
+            <a:ext cx="12192000" cy="1333500"/>
+          </a:xfrm>
+          <a:prstGeom prst="roundRect">
+            <a:avLst/>
+          </a:prstGeom>
+        </p:spPr>
+        <p:style>
+          <a:lnRef idx="2">
+            <a:schemeClr val="accent1">
+              <a:shade val="50000"/>
+            </a:schemeClr>
+          </a:lnRef>
+          <a:fillRef idx="1">
+            <a:schemeClr val="accent1"/>
+          </a:fillRef>
+          <a:effectRef idx="0">
+            <a:schemeClr val="accent1"/>
+          </a:effectRef>
+          <a:fontRef idx="minor">
+            <a:schemeClr val="lt1"/>
+          </a:fontRef>
+        </p:style>
+        <p:txBody>
+          <a:bodyPr rtlCol="0" anchor="ctr"/>
+          <a:lstStyle/>
+          <a:p>
+            <a:pPr algn="ctr">
+              <a:tabLst>
+                <a:tab pos="347663" algn="l"/>
+              </a:tabLst>
+            </a:pPr>
+            <a:r>
+              <a:rPr lang="en-US" sz="3600" b="1" dirty="0" smtClean="0">
+                <a:solidFill>
+                  <a:schemeClr val="bg1"/>
+                </a:solidFill>
+              </a:rPr>
+              <a:t>Data Types</a:t>
+            </a:r>
+            <a:endParaRPr lang="en-US" sz="3600" b="1" dirty="0">
+              <a:solidFill>
+                <a:schemeClr val="bg1"/>
+              </a:solidFill>
+            </a:endParaRPr>
+          </a:p>
+        </p:txBody>
+      </p:sp>
+      <p:sp>
+        <p:nvSpPr>
+          <p:cNvPr id="20" name="TextBox 19">
+            <a:extLst>
+              <a:ext uri="{FF2B5EF4-FFF2-40B4-BE49-F238E27FC236}">
+                <a16:creationId xmlns:a16="http://schemas.microsoft.com/office/drawing/2014/main" id="{231E4B19-2C3A-884A-919A-326B2A2F1BA8}"/>
+              </a:ext>
+            </a:extLst>
+          </p:cNvPr>
+          <p:cNvSpPr txBox="1"/>
+          <p:nvPr/>
+        </p:nvSpPr>
+        <p:spPr>
+          <a:xfrm>
+            <a:off x="806012" y="1783860"/>
+            <a:ext cx="10579975" cy="4431983"/>
+          </a:xfrm>
+          <a:prstGeom prst="rect">
+            <a:avLst/>
+          </a:prstGeom>
+          <a:noFill/>
+          <a:ln>
+            <a:solidFill>
+              <a:schemeClr val="accent1"/>
+            </a:solidFill>
+          </a:ln>
+        </p:spPr>
+        <p:txBody>
+          <a:bodyPr wrap="square" lIns="0" tIns="0" rIns="0" bIns="0" rtlCol="0">
+            <a:spAutoFit/>
+          </a:bodyPr>
+          <a:lstStyle/>
+          <a:p>
             <a:pPr marL="342900" indent="-342900">
               <a:buFont typeface="Arial" panose="020B0604020202020204" pitchFamily="34" charset="0"/>
               <a:buChar char="•"/>
@@ -19258,7 +20317,6 @@
               <a:rPr lang="en-US" sz="2400" dirty="0" smtClean="0"/>
               <a:t>Date</a:t>
             </a:r>
-            <a:endParaRPr lang="en-US" sz="2400" dirty="0" smtClean="0"/>
           </a:p>
           <a:p>
             <a:endParaRPr lang="en-US" sz="2400" dirty="0"/>
